--- a/Wasted Energy.pptx
+++ b/Wasted Energy.pptx
@@ -118,7 +118,272 @@
       </a:defRPr>
     </a:lvl9pPr>
   </p:defaultTextStyle>
+  <p:extLst>
+    <p:ext uri="{EFAFB233-063F-42B5-8137-9DF3F51BA10A}">
+      <p15:sldGuideLst xmlns:p15="http://schemas.microsoft.com/office/powerpoint/2012/main"/>
+    </p:ext>
+  </p:extLst>
 </p:presentation>
+</file>
+
+<file path=ppt/revisionInfo.xml><?xml version="1.0" encoding="utf-8"?>
+<p1510:revInfo xmlns:a="http://schemas.openxmlformats.org/drawingml/2006/main" xmlns:r="http://schemas.openxmlformats.org/officeDocument/2006/relationships" xmlns:p1510="http://schemas.microsoft.com/office/powerpoint/2015/10/main">
+  <p1510:revLst>
+    <p1510:client id="{08BC40E8-BDAE-4984-90AF-45E39CD2CDF4}" v="494" dt="2020-07-24T20:25:08.370"/>
+  </p1510:revLst>
+</p1510:revInfo>
+</file>
+
+<file path=ppt/changesInfos/changesInfo1.xml><?xml version="1.0" encoding="utf-8"?>
+<pc:chgInfo xmlns:a="http://schemas.openxmlformats.org/drawingml/2006/main" xmlns:r="http://schemas.openxmlformats.org/officeDocument/2006/relationships" xmlns:ac="http://schemas.microsoft.com/office/drawing/2013/main/command" xmlns:pc="http://schemas.microsoft.com/office/powerpoint/2013/main/command">
+  <pc:docChgLst>
+    <pc:chgData name="Guest User" providerId="Windows Live" clId="Web-{08BC40E8-BDAE-4984-90AF-45E39CD2CDF4}"/>
+    <pc:docChg chg="modSld">
+      <pc:chgData name="Guest User" userId="" providerId="Windows Live" clId="Web-{08BC40E8-BDAE-4984-90AF-45E39CD2CDF4}" dt="2020-07-24T20:25:07.855" v="483" actId="20577"/>
+      <pc:docMkLst>
+        <pc:docMk/>
+      </pc:docMkLst>
+      <pc:sldChg chg="modSp">
+        <pc:chgData name="Guest User" userId="" providerId="Windows Live" clId="Web-{08BC40E8-BDAE-4984-90AF-45E39CD2CDF4}" dt="2020-07-24T20:07:40.622" v="26" actId="20577"/>
+        <pc:sldMkLst>
+          <pc:docMk/>
+          <pc:sldMk cId="3230697141" sldId="257"/>
+        </pc:sldMkLst>
+        <pc:spChg chg="mod">
+          <ac:chgData name="Guest User" userId="" providerId="Windows Live" clId="Web-{08BC40E8-BDAE-4984-90AF-45E39CD2CDF4}" dt="2020-07-24T20:05:38.228" v="7" actId="20577"/>
+          <ac:spMkLst>
+            <pc:docMk/>
+            <pc:sldMk cId="3230697141" sldId="257"/>
+            <ac:spMk id="4" creationId="{338FF7F7-8326-405E-932F-C460EFC49E42}"/>
+          </ac:spMkLst>
+        </pc:spChg>
+        <pc:spChg chg="mod">
+          <ac:chgData name="Guest User" userId="" providerId="Windows Live" clId="Web-{08BC40E8-BDAE-4984-90AF-45E39CD2CDF4}" dt="2020-07-24T20:07:40.622" v="26" actId="20577"/>
+          <ac:spMkLst>
+            <pc:docMk/>
+            <pc:sldMk cId="3230697141" sldId="257"/>
+            <ac:spMk id="5" creationId="{80598DDE-892E-409C-9634-A00FA8933EA4}"/>
+          </ac:spMkLst>
+        </pc:spChg>
+      </pc:sldChg>
+      <pc:sldChg chg="modSp">
+        <pc:chgData name="Guest User" userId="" providerId="Windows Live" clId="Web-{08BC40E8-BDAE-4984-90AF-45E39CD2CDF4}" dt="2020-07-24T20:13:47.820" v="171" actId="20577"/>
+        <pc:sldMkLst>
+          <pc:docMk/>
+          <pc:sldMk cId="882679217" sldId="258"/>
+        </pc:sldMkLst>
+        <pc:spChg chg="mod">
+          <ac:chgData name="Guest User" userId="" providerId="Windows Live" clId="Web-{08BC40E8-BDAE-4984-90AF-45E39CD2CDF4}" dt="2020-07-24T20:08:05.404" v="31" actId="20577"/>
+          <ac:spMkLst>
+            <pc:docMk/>
+            <pc:sldMk cId="882679217" sldId="258"/>
+            <ac:spMk id="2" creationId="{A726032E-D022-44BA-A2EE-E2122B5BF1D5}"/>
+          </ac:spMkLst>
+        </pc:spChg>
+        <pc:spChg chg="mod">
+          <ac:chgData name="Guest User" userId="" providerId="Windows Live" clId="Web-{08BC40E8-BDAE-4984-90AF-45E39CD2CDF4}" dt="2020-07-24T20:13:47.820" v="171" actId="20577"/>
+          <ac:spMkLst>
+            <pc:docMk/>
+            <pc:sldMk cId="882679217" sldId="258"/>
+            <ac:spMk id="3" creationId="{EBDE8576-DFDE-44C7-8285-AC8D055217A1}"/>
+          </ac:spMkLst>
+        </pc:spChg>
+      </pc:sldChg>
+      <pc:sldChg chg="modSp">
+        <pc:chgData name="Guest User" userId="" providerId="Windows Live" clId="Web-{08BC40E8-BDAE-4984-90AF-45E39CD2CDF4}" dt="2020-07-24T20:19:11.892" v="294" actId="20577"/>
+        <pc:sldMkLst>
+          <pc:docMk/>
+          <pc:sldMk cId="2387309776" sldId="259"/>
+        </pc:sldMkLst>
+        <pc:spChg chg="mod">
+          <ac:chgData name="Guest User" userId="" providerId="Windows Live" clId="Web-{08BC40E8-BDAE-4984-90AF-45E39CD2CDF4}" dt="2020-07-24T20:05:42.041" v="10" actId="20577"/>
+          <ac:spMkLst>
+            <pc:docMk/>
+            <pc:sldMk cId="2387309776" sldId="259"/>
+            <ac:spMk id="2" creationId="{CD6887AC-3F35-468C-BB15-399DB06E8695}"/>
+          </ac:spMkLst>
+        </pc:spChg>
+        <pc:spChg chg="mod">
+          <ac:chgData name="Guest User" userId="" providerId="Windows Live" clId="Web-{08BC40E8-BDAE-4984-90AF-45E39CD2CDF4}" dt="2020-07-24T20:19:11.892" v="294" actId="20577"/>
+          <ac:spMkLst>
+            <pc:docMk/>
+            <pc:sldMk cId="2387309776" sldId="259"/>
+            <ac:spMk id="12" creationId="{C5BEBBA5-00FC-4F58-BAAA-2359FF895EBC}"/>
+          </ac:spMkLst>
+        </pc:spChg>
+      </pc:sldChg>
+      <pc:sldChg chg="modSp">
+        <pc:chgData name="Guest User" userId="" providerId="Windows Live" clId="Web-{08BC40E8-BDAE-4984-90AF-45E39CD2CDF4}" dt="2020-07-24T20:18:04.046" v="276" actId="20577"/>
+        <pc:sldMkLst>
+          <pc:docMk/>
+          <pc:sldMk cId="697875476" sldId="260"/>
+        </pc:sldMkLst>
+        <pc:spChg chg="mod">
+          <ac:chgData name="Guest User" userId="" providerId="Windows Live" clId="Web-{08BC40E8-BDAE-4984-90AF-45E39CD2CDF4}" dt="2020-07-24T20:07:50.075" v="28" actId="20577"/>
+          <ac:spMkLst>
+            <pc:docMk/>
+            <pc:sldMk cId="697875476" sldId="260"/>
+            <ac:spMk id="2" creationId="{578130F0-875E-4B4D-8556-30F56E23BDE0}"/>
+          </ac:spMkLst>
+        </pc:spChg>
+        <pc:spChg chg="mod">
+          <ac:chgData name="Guest User" userId="" providerId="Windows Live" clId="Web-{08BC40E8-BDAE-4984-90AF-45E39CD2CDF4}" dt="2020-07-24T20:18:04.046" v="276" actId="20577"/>
+          <ac:spMkLst>
+            <pc:docMk/>
+            <pc:sldMk cId="697875476" sldId="260"/>
+            <ac:spMk id="3" creationId="{9DAD172E-6E5B-4951-9D27-9A646D33EDF5}"/>
+          </ac:spMkLst>
+        </pc:spChg>
+      </pc:sldChg>
+      <pc:sldChg chg="modSp">
+        <pc:chgData name="Guest User" userId="" providerId="Windows Live" clId="Web-{08BC40E8-BDAE-4984-90AF-45E39CD2CDF4}" dt="2020-07-24T20:19:24.298" v="301" actId="1076"/>
+        <pc:sldMkLst>
+          <pc:docMk/>
+          <pc:sldMk cId="3402899433" sldId="261"/>
+        </pc:sldMkLst>
+        <pc:spChg chg="mod">
+          <ac:chgData name="Guest User" userId="" providerId="Windows Live" clId="Web-{08BC40E8-BDAE-4984-90AF-45E39CD2CDF4}" dt="2020-07-24T20:19:17.376" v="296" actId="20577"/>
+          <ac:spMkLst>
+            <pc:docMk/>
+            <pc:sldMk cId="3402899433" sldId="261"/>
+            <ac:spMk id="2" creationId="{A51720D6-1BF7-4B75-A113-ABE3B335AF7C}"/>
+          </ac:spMkLst>
+        </pc:spChg>
+        <pc:picChg chg="mod">
+          <ac:chgData name="Guest User" userId="" providerId="Windows Live" clId="Web-{08BC40E8-BDAE-4984-90AF-45E39CD2CDF4}" dt="2020-07-24T20:19:21.517" v="299" actId="1076"/>
+          <ac:picMkLst>
+            <pc:docMk/>
+            <pc:sldMk cId="3402899433" sldId="261"/>
+            <ac:picMk id="4" creationId="{4E52BE18-537F-44F0-8D99-79CE28BEABEE}"/>
+          </ac:picMkLst>
+        </pc:picChg>
+        <pc:picChg chg="mod">
+          <ac:chgData name="Guest User" userId="" providerId="Windows Live" clId="Web-{08BC40E8-BDAE-4984-90AF-45E39CD2CDF4}" dt="2020-07-24T20:19:24.298" v="301" actId="1076"/>
+          <ac:picMkLst>
+            <pc:docMk/>
+            <pc:sldMk cId="3402899433" sldId="261"/>
+            <ac:picMk id="6" creationId="{97680D9B-E823-4303-AD50-C5F7F5E4A810}"/>
+          </ac:picMkLst>
+        </pc:picChg>
+        <pc:picChg chg="mod">
+          <ac:chgData name="Guest User" userId="" providerId="Windows Live" clId="Web-{08BC40E8-BDAE-4984-90AF-45E39CD2CDF4}" dt="2020-07-24T20:19:22.939" v="300" actId="1076"/>
+          <ac:picMkLst>
+            <pc:docMk/>
+            <pc:sldMk cId="3402899433" sldId="261"/>
+            <ac:picMk id="9" creationId="{645B80CB-17E0-4382-9F77-F020D21D7C1F}"/>
+          </ac:picMkLst>
+        </pc:picChg>
+      </pc:sldChg>
+      <pc:sldChg chg="modSp">
+        <pc:chgData name="Guest User" userId="" providerId="Windows Live" clId="Web-{08BC40E8-BDAE-4984-90AF-45E39CD2CDF4}" dt="2020-07-24T20:19:33.955" v="302" actId="20577"/>
+        <pc:sldMkLst>
+          <pc:docMk/>
+          <pc:sldMk cId="3055307854" sldId="262"/>
+        </pc:sldMkLst>
+        <pc:spChg chg="mod">
+          <ac:chgData name="Guest User" userId="" providerId="Windows Live" clId="Web-{08BC40E8-BDAE-4984-90AF-45E39CD2CDF4}" dt="2020-07-24T20:19:33.955" v="302" actId="20577"/>
+          <ac:spMkLst>
+            <pc:docMk/>
+            <pc:sldMk cId="3055307854" sldId="262"/>
+            <ac:spMk id="2" creationId="{004D9898-0F59-437C-9A1E-DCECB52ADE44}"/>
+          </ac:spMkLst>
+        </pc:spChg>
+      </pc:sldChg>
+      <pc:sldChg chg="modSp">
+        <pc:chgData name="Guest User" userId="" providerId="Windows Live" clId="Web-{08BC40E8-BDAE-4984-90AF-45E39CD2CDF4}" dt="2020-07-24T20:21:29.255" v="354" actId="20577"/>
+        <pc:sldMkLst>
+          <pc:docMk/>
+          <pc:sldMk cId="3967257698" sldId="263"/>
+        </pc:sldMkLst>
+        <pc:spChg chg="mod">
+          <ac:chgData name="Guest User" userId="" providerId="Windows Live" clId="Web-{08BC40E8-BDAE-4984-90AF-45E39CD2CDF4}" dt="2020-07-24T20:20:12.143" v="318" actId="1076"/>
+          <ac:spMkLst>
+            <pc:docMk/>
+            <pc:sldMk cId="3967257698" sldId="263"/>
+            <ac:spMk id="2" creationId="{391148B9-AE8A-42CA-A1D8-622327C322C3}"/>
+          </ac:spMkLst>
+        </pc:spChg>
+        <pc:spChg chg="mod">
+          <ac:chgData name="Guest User" userId="" providerId="Windows Live" clId="Web-{08BC40E8-BDAE-4984-90AF-45E39CD2CDF4}" dt="2020-07-24T20:21:29.255" v="354" actId="20577"/>
+          <ac:spMkLst>
+            <pc:docMk/>
+            <pc:sldMk cId="3967257698" sldId="263"/>
+            <ac:spMk id="3" creationId="{FE616F08-3A10-4CBE-B840-6BD601B4B285}"/>
+          </ac:spMkLst>
+        </pc:spChg>
+      </pc:sldChg>
+      <pc:sldChg chg="modSp">
+        <pc:chgData name="Guest User" userId="" providerId="Windows Live" clId="Web-{08BC40E8-BDAE-4984-90AF-45E39CD2CDF4}" dt="2020-07-24T20:21:47.911" v="357" actId="20577"/>
+        <pc:sldMkLst>
+          <pc:docMk/>
+          <pc:sldMk cId="854629335" sldId="264"/>
+        </pc:sldMkLst>
+        <pc:spChg chg="mod">
+          <ac:chgData name="Guest User" userId="" providerId="Windows Live" clId="Web-{08BC40E8-BDAE-4984-90AF-45E39CD2CDF4}" dt="2020-07-24T20:21:47.911" v="357" actId="20577"/>
+          <ac:spMkLst>
+            <pc:docMk/>
+            <pc:sldMk cId="854629335" sldId="264"/>
+            <ac:spMk id="2" creationId="{E74A73E5-3003-45FD-A6E0-3BD2C6802EC1}"/>
+          </ac:spMkLst>
+        </pc:spChg>
+        <pc:spChg chg="mod">
+          <ac:chgData name="Guest User" userId="" providerId="Windows Live" clId="Web-{08BC40E8-BDAE-4984-90AF-45E39CD2CDF4}" dt="2020-07-24T20:21:04.145" v="345" actId="1076"/>
+          <ac:spMkLst>
+            <pc:docMk/>
+            <pc:sldMk cId="854629335" sldId="264"/>
+            <ac:spMk id="5" creationId="{88997452-7DEA-4693-AC30-9CB31D31C3CE}"/>
+          </ac:spMkLst>
+        </pc:spChg>
+      </pc:sldChg>
+      <pc:sldChg chg="modSp">
+        <pc:chgData name="Guest User" userId="" providerId="Windows Live" clId="Web-{08BC40E8-BDAE-4984-90AF-45E39CD2CDF4}" dt="2020-07-24T20:22:14.819" v="368" actId="20577"/>
+        <pc:sldMkLst>
+          <pc:docMk/>
+          <pc:sldMk cId="939133259" sldId="265"/>
+        </pc:sldMkLst>
+        <pc:spChg chg="mod">
+          <ac:chgData name="Guest User" userId="" providerId="Windows Live" clId="Web-{08BC40E8-BDAE-4984-90AF-45E39CD2CDF4}" dt="2020-07-24T20:21:56.193" v="362" actId="20577"/>
+          <ac:spMkLst>
+            <pc:docMk/>
+            <pc:sldMk cId="939133259" sldId="265"/>
+            <ac:spMk id="2" creationId="{4C72819A-636E-4EF7-B7D1-E4D9DCE99F21}"/>
+          </ac:spMkLst>
+        </pc:spChg>
+        <pc:spChg chg="mod">
+          <ac:chgData name="Guest User" userId="" providerId="Windows Live" clId="Web-{08BC40E8-BDAE-4984-90AF-45E39CD2CDF4}" dt="2020-07-24T20:22:14.819" v="368" actId="20577"/>
+          <ac:spMkLst>
+            <pc:docMk/>
+            <pc:sldMk cId="939133259" sldId="265"/>
+            <ac:spMk id="4" creationId="{24209FB9-9767-4273-9E5D-08660D4096F4}"/>
+          </ac:spMkLst>
+        </pc:spChg>
+      </pc:sldChg>
+      <pc:sldChg chg="modSp">
+        <pc:chgData name="Guest User" userId="" providerId="Windows Live" clId="Web-{08BC40E8-BDAE-4984-90AF-45E39CD2CDF4}" dt="2020-07-24T20:25:07.855" v="482" actId="20577"/>
+        <pc:sldMkLst>
+          <pc:docMk/>
+          <pc:sldMk cId="944582653" sldId="266"/>
+        </pc:sldMkLst>
+        <pc:spChg chg="mod">
+          <ac:chgData name="Guest User" userId="" providerId="Windows Live" clId="Web-{08BC40E8-BDAE-4984-90AF-45E39CD2CDF4}" dt="2020-07-24T20:22:22.694" v="372" actId="20577"/>
+          <ac:spMkLst>
+            <pc:docMk/>
+            <pc:sldMk cId="944582653" sldId="266"/>
+            <ac:spMk id="2" creationId="{BEDE5F7B-F291-4273-8FC1-848B4C609BE8}"/>
+          </ac:spMkLst>
+        </pc:spChg>
+        <pc:spChg chg="mod">
+          <ac:chgData name="Guest User" userId="" providerId="Windows Live" clId="Web-{08BC40E8-BDAE-4984-90AF-45E39CD2CDF4}" dt="2020-07-24T20:25:07.855" v="482" actId="20577"/>
+          <ac:spMkLst>
+            <pc:docMk/>
+            <pc:sldMk cId="944582653" sldId="266"/>
+            <ac:spMk id="3" creationId="{CB4B6C7F-6CA3-46BF-9B5F-E0A33D58E0B1}"/>
+          </ac:spMkLst>
+        </pc:spChg>
+      </pc:sldChg>
+    </pc:docChg>
+  </pc:docChgLst>
+</pc:chgInfo>
 </file>
 
 <file path=ppt/notesMasters/notesMaster1.xml><?xml version="1.0" encoding="utf-8"?>
@@ -203,7 +468,7 @@
           <a:p>
             <a:fld id="{F4515994-B0DF-4A37-839B-898B952C1E60}" type="datetimeFigureOut">
               <a:rPr lang="en-US" smtClean="0"/>
-              <a:t>7/23/2020</a:t>
+              <a:t>7/24/2020</a:t>
             </a:fld>
             <a:endParaRPr lang="en-US"/>
           </a:p>
@@ -617,7 +882,7 @@
           <a:p>
             <a:fld id="{6A4B53A7-3209-46A6-9454-F38EAC8F11E7}" type="datetimeFigureOut">
               <a:rPr lang="en-US" smtClean="0"/>
-              <a:t>7/23/2020</a:t>
+              <a:t>7/24/2020</a:t>
             </a:fld>
             <a:endParaRPr lang="en-US"/>
           </a:p>
@@ -868,7 +1133,7 @@
           <a:p>
             <a:fld id="{6A4B53A7-3209-46A6-9454-F38EAC8F11E7}" type="datetimeFigureOut">
               <a:rPr lang="en-US" smtClean="0"/>
-              <a:t>7/23/2020</a:t>
+              <a:t>7/24/2020</a:t>
             </a:fld>
             <a:endParaRPr lang="en-US"/>
           </a:p>
@@ -1129,7 +1394,7 @@
           <a:p>
             <a:fld id="{6A4B53A7-3209-46A6-9454-F38EAC8F11E7}" type="datetimeFigureOut">
               <a:rPr lang="en-US" smtClean="0"/>
-              <a:t>7/23/2020</a:t>
+              <a:t>7/24/2020</a:t>
             </a:fld>
             <a:endParaRPr lang="en-US"/>
           </a:p>
@@ -1380,7 +1645,7 @@
           <a:p>
             <a:fld id="{6A4B53A7-3209-46A6-9454-F38EAC8F11E7}" type="datetimeFigureOut">
               <a:rPr lang="en-US" smtClean="0"/>
-              <a:t>7/23/2020</a:t>
+              <a:t>7/24/2020</a:t>
             </a:fld>
             <a:endParaRPr lang="en-US"/>
           </a:p>
@@ -1708,7 +1973,7 @@
           <a:p>
             <a:fld id="{6A4B53A7-3209-46A6-9454-F38EAC8F11E7}" type="datetimeFigureOut">
               <a:rPr lang="en-US" smtClean="0"/>
-              <a:t>7/23/2020</a:t>
+              <a:t>7/24/2020</a:t>
             </a:fld>
             <a:endParaRPr lang="en-US"/>
           </a:p>
@@ -2026,7 +2291,7 @@
           <a:p>
             <a:fld id="{6A4B53A7-3209-46A6-9454-F38EAC8F11E7}" type="datetimeFigureOut">
               <a:rPr lang="en-US" smtClean="0"/>
-              <a:t>7/23/2020</a:t>
+              <a:t>7/24/2020</a:t>
             </a:fld>
             <a:endParaRPr lang="en-US"/>
           </a:p>
@@ -2491,7 +2756,7 @@
           <a:p>
             <a:fld id="{6A4B53A7-3209-46A6-9454-F38EAC8F11E7}" type="datetimeFigureOut">
               <a:rPr lang="en-US" smtClean="0"/>
-              <a:t>7/23/2020</a:t>
+              <a:t>7/24/2020</a:t>
             </a:fld>
             <a:endParaRPr lang="en-US"/>
           </a:p>
@@ -2685,7 +2950,7 @@
           <a:p>
             <a:fld id="{6A4B53A7-3209-46A6-9454-F38EAC8F11E7}" type="datetimeFigureOut">
               <a:rPr lang="en-US" smtClean="0"/>
-              <a:t>7/23/2020</a:t>
+              <a:t>7/24/2020</a:t>
             </a:fld>
             <a:endParaRPr lang="en-US"/>
           </a:p>
@@ -2851,7 +3116,7 @@
           <a:p>
             <a:fld id="{6A4B53A7-3209-46A6-9454-F38EAC8F11E7}" type="datetimeFigureOut">
               <a:rPr lang="en-US" smtClean="0"/>
-              <a:t>7/23/2020</a:t>
+              <a:t>7/24/2020</a:t>
             </a:fld>
             <a:endParaRPr lang="en-US"/>
           </a:p>
@@ -3215,7 +3480,7 @@
           <a:p>
             <a:fld id="{6A4B53A7-3209-46A6-9454-F38EAC8F11E7}" type="datetimeFigureOut">
               <a:rPr lang="en-US" smtClean="0"/>
-              <a:t>7/23/2020</a:t>
+              <a:t>7/24/2020</a:t>
             </a:fld>
             <a:endParaRPr lang="en-US"/>
           </a:p>
@@ -3559,7 +3824,7 @@
           <a:p>
             <a:fld id="{6A4B53A7-3209-46A6-9454-F38EAC8F11E7}" type="datetimeFigureOut">
               <a:rPr lang="en-US" smtClean="0"/>
-              <a:t>7/23/2020</a:t>
+              <a:t>7/24/2020</a:t>
             </a:fld>
             <a:endParaRPr lang="en-US"/>
           </a:p>
@@ -3854,7 +4119,7 @@
             <a:fld id="{6A4B53A7-3209-46A6-9454-F38EAC8F11E7}" type="datetimeFigureOut">
               <a:rPr lang="en-US" smtClean="0"/>
               <a:pPr/>
-              <a:t>7/23/2020</a:t>
+              <a:t>7/24/2020</a:t>
             </a:fld>
             <a:endParaRPr lang="en-US" dirty="0"/>
           </a:p>
@@ -4642,17 +4907,145 @@
           <a:p>
             <a:r>
               <a:rPr lang="en-US" dirty="0"/>
-              <a:t>The Perspective</a:t>
+              <a:t>Perspective</a:t>
+            </a:r>
+          </a:p>
+        </p:txBody>
+      </p:sp>
+      <p:sp>
+        <p:nvSpPr>
+          <p:cNvPr id="8" name="Text Placeholder 7">
+            <a:extLst>
+              <a:ext uri="{FF2B5EF4-FFF2-40B4-BE49-F238E27FC236}">
+                <a16:creationId xmlns:a16="http://schemas.microsoft.com/office/drawing/2014/main" id="{61C066A0-4180-4BCC-9D33-3AA1837F3CA5}"/>
+              </a:ext>
+            </a:extLst>
+          </p:cNvPr>
+          <p:cNvSpPr>
+            <a:spLocks noGrp="1"/>
+          </p:cNvSpPr>
+          <p:nvPr>
+            <p:ph type="body" sz="quarter" idx="3"/>
+          </p:nvPr>
+        </p:nvSpPr>
+        <p:spPr/>
+        <p:txBody>
+          <a:bodyPr/>
+          <a:lstStyle/>
+          <a:p>
+            <a:r>
+              <a:rPr lang="en-US" dirty="0"/>
+              <a:t>What could have been:</a:t>
+            </a:r>
+          </a:p>
+        </p:txBody>
+      </p:sp>
+      <p:sp>
+        <p:nvSpPr>
+          <p:cNvPr id="4" name="Content Placeholder 3">
+            <a:extLst>
+              <a:ext uri="{FF2B5EF4-FFF2-40B4-BE49-F238E27FC236}">
+                <a16:creationId xmlns:a16="http://schemas.microsoft.com/office/drawing/2014/main" id="{24209FB9-9767-4273-9E5D-08660D4096F4}"/>
+              </a:ext>
+            </a:extLst>
+          </p:cNvPr>
+          <p:cNvSpPr>
+            <a:spLocks noGrp="1"/>
+          </p:cNvSpPr>
+          <p:nvPr>
+            <p:ph sz="quarter" idx="4"/>
+          </p:nvPr>
+        </p:nvSpPr>
+        <p:spPr/>
+        <p:txBody>
+          <a:bodyPr vert="horz" lIns="91440" tIns="45720" rIns="91440" bIns="45720" rtlCol="0" anchor="t">
+            <a:normAutofit/>
+          </a:bodyPr>
+          <a:lstStyle/>
+          <a:p>
+            <a:r>
+              <a:rPr lang="en-US" dirty="0"/>
+              <a:t>Total energy wasted since 1980: </a:t>
+            </a:r>
+          </a:p>
+          <a:p>
+            <a:pPr lvl="1"/>
+            <a:r>
+              <a:rPr lang="en-US"/>
+              <a:t>Power</a:t>
+            </a:r>
+            <a:r>
+              <a:rPr lang="en-US" dirty="0"/>
+              <a:t> 161 million homes for a year</a:t>
+            </a:r>
+          </a:p>
+          <a:p>
+            <a:r>
+              <a:rPr lang="en-US" dirty="0"/>
+              <a:t>Total energy wasted in 2018 alone:</a:t>
+            </a:r>
+          </a:p>
+          <a:p>
+            <a:pPr lvl="1"/>
+            <a:r>
+              <a:rPr lang="en-US" dirty="0"/>
+              <a:t>Send a Tesla to the sun and back over 3,000 times*</a:t>
+            </a:r>
+          </a:p>
+          <a:p>
+            <a:pPr lvl="1"/>
+            <a:endParaRPr lang="en-US" dirty="0"/>
+          </a:p>
+          <a:p>
+            <a:pPr lvl="1"/>
+            <a:endParaRPr lang="en-US" dirty="0"/>
+          </a:p>
+          <a:p>
+            <a:pPr marL="457200" lvl="1" indent="0">
+              <a:buNone/>
+            </a:pPr>
+            <a:endParaRPr lang="en-US" dirty="0"/>
+          </a:p>
+        </p:txBody>
+      </p:sp>
+      <p:sp>
+        <p:nvSpPr>
+          <p:cNvPr id="6" name="Footer Placeholder 5">
+            <a:extLst>
+              <a:ext uri="{FF2B5EF4-FFF2-40B4-BE49-F238E27FC236}">
+                <a16:creationId xmlns:a16="http://schemas.microsoft.com/office/drawing/2014/main" id="{C62F9BFA-BB66-4613-9569-74DD381CBA8C}"/>
+              </a:ext>
+            </a:extLst>
+          </p:cNvPr>
+          <p:cNvSpPr>
+            <a:spLocks noGrp="1"/>
+          </p:cNvSpPr>
+          <p:nvPr>
+            <p:ph type="ftr" sz="quarter" idx="11"/>
+          </p:nvPr>
+        </p:nvSpPr>
+        <p:spPr/>
+        <p:txBody>
+          <a:bodyPr/>
+          <a:lstStyle/>
+          <a:p>
+            <a:r>
+              <a:rPr lang="en-US" dirty="0">
+                <a:solidFill>
+                  <a:schemeClr val="tx1"/>
+                </a:solidFill>
+              </a:rPr>
+              <a:t>* 4.1 miles per kWh - did not factor in feasibility of journey</a:t>
             </a:r>
           </a:p>
         </p:txBody>
       </p:sp>
       <p:pic>
         <p:nvPicPr>
-          <p:cNvPr id="5" name="Content Placeholder 4">
-            <a:extLst>
-              <a:ext uri="{FF2B5EF4-FFF2-40B4-BE49-F238E27FC236}">
-                <a16:creationId xmlns:a16="http://schemas.microsoft.com/office/drawing/2014/main" id="{B99E7B73-EC16-49DB-8347-9DAE1E8525ED}"/>
+          <p:cNvPr id="9" name="Content Placeholder 8">
+            <a:extLst>
+              <a:ext uri="{FF2B5EF4-FFF2-40B4-BE49-F238E27FC236}">
+                <a16:creationId xmlns:a16="http://schemas.microsoft.com/office/drawing/2014/main" id="{2E046E6D-CA60-4588-8369-E37DA1AC5B7F}"/>
               </a:ext>
             </a:extLst>
           </p:cNvPr>
@@ -4671,136 +5064,14 @@
         </p:blipFill>
         <p:spPr>
           <a:xfrm>
-            <a:off x="836612" y="2338388"/>
-            <a:ext cx="5397067" cy="3224372"/>
+            <a:off x="737395" y="2117864"/>
+            <a:ext cx="5434806" cy="3572530"/>
           </a:xfrm>
           <a:prstGeom prst="rect">
             <a:avLst/>
           </a:prstGeom>
         </p:spPr>
       </p:pic>
-      <p:sp>
-        <p:nvSpPr>
-          <p:cNvPr id="8" name="Text Placeholder 7">
-            <a:extLst>
-              <a:ext uri="{FF2B5EF4-FFF2-40B4-BE49-F238E27FC236}">
-                <a16:creationId xmlns:a16="http://schemas.microsoft.com/office/drawing/2014/main" id="{61C066A0-4180-4BCC-9D33-3AA1837F3CA5}"/>
-              </a:ext>
-            </a:extLst>
-          </p:cNvPr>
-          <p:cNvSpPr>
-            <a:spLocks noGrp="1"/>
-          </p:cNvSpPr>
-          <p:nvPr>
-            <p:ph type="body" sz="quarter" idx="3"/>
-          </p:nvPr>
-        </p:nvSpPr>
-        <p:spPr/>
-        <p:txBody>
-          <a:bodyPr/>
-          <a:lstStyle/>
-          <a:p>
-            <a:r>
-              <a:rPr lang="en-US" dirty="0"/>
-              <a:t>What could have been:</a:t>
-            </a:r>
-          </a:p>
-        </p:txBody>
-      </p:sp>
-      <p:sp>
-        <p:nvSpPr>
-          <p:cNvPr id="4" name="Content Placeholder 3">
-            <a:extLst>
-              <a:ext uri="{FF2B5EF4-FFF2-40B4-BE49-F238E27FC236}">
-                <a16:creationId xmlns:a16="http://schemas.microsoft.com/office/drawing/2014/main" id="{24209FB9-9767-4273-9E5D-08660D4096F4}"/>
-              </a:ext>
-            </a:extLst>
-          </p:cNvPr>
-          <p:cNvSpPr>
-            <a:spLocks noGrp="1"/>
-          </p:cNvSpPr>
-          <p:nvPr>
-            <p:ph sz="quarter" idx="4"/>
-          </p:nvPr>
-        </p:nvSpPr>
-        <p:spPr/>
-        <p:txBody>
-          <a:bodyPr/>
-          <a:lstStyle/>
-          <a:p>
-            <a:r>
-              <a:rPr lang="en-US" dirty="0"/>
-              <a:t>Total energy wasted since 1980: </a:t>
-            </a:r>
-          </a:p>
-          <a:p>
-            <a:pPr lvl="1"/>
-            <a:r>
-              <a:rPr lang="en-US" dirty="0"/>
-              <a:t>Powered 161 million homes for a year</a:t>
-            </a:r>
-          </a:p>
-          <a:p>
-            <a:r>
-              <a:rPr lang="en-US" dirty="0"/>
-              <a:t>Total energy wasted in 2018 alone:</a:t>
-            </a:r>
-          </a:p>
-          <a:p>
-            <a:pPr lvl="1"/>
-            <a:r>
-              <a:rPr lang="en-US" dirty="0"/>
-              <a:t>Send a Tesla to the sun and back 3,028 times*</a:t>
-            </a:r>
-          </a:p>
-          <a:p>
-            <a:pPr lvl="1"/>
-            <a:endParaRPr lang="en-US" dirty="0"/>
-          </a:p>
-          <a:p>
-            <a:pPr lvl="1"/>
-            <a:endParaRPr lang="en-US" dirty="0"/>
-          </a:p>
-          <a:p>
-            <a:pPr marL="457200" lvl="1" indent="0">
-              <a:buNone/>
-            </a:pPr>
-            <a:endParaRPr lang="en-US" dirty="0"/>
-          </a:p>
-        </p:txBody>
-      </p:sp>
-      <p:sp>
-        <p:nvSpPr>
-          <p:cNvPr id="6" name="Footer Placeholder 5">
-            <a:extLst>
-              <a:ext uri="{FF2B5EF4-FFF2-40B4-BE49-F238E27FC236}">
-                <a16:creationId xmlns:a16="http://schemas.microsoft.com/office/drawing/2014/main" id="{C62F9BFA-BB66-4613-9569-74DD381CBA8C}"/>
-              </a:ext>
-            </a:extLst>
-          </p:cNvPr>
-          <p:cNvSpPr>
-            <a:spLocks noGrp="1"/>
-          </p:cNvSpPr>
-          <p:nvPr>
-            <p:ph type="ftr" sz="quarter" idx="11"/>
-          </p:nvPr>
-        </p:nvSpPr>
-        <p:spPr/>
-        <p:txBody>
-          <a:bodyPr/>
-          <a:lstStyle/>
-          <a:p>
-            <a:r>
-              <a:rPr lang="en-US" dirty="0">
-                <a:solidFill>
-                  <a:schemeClr val="tx1"/>
-                </a:solidFill>
-              </a:rPr>
-              <a:t>* 4.1 miles per kWh - did not factor in feasibility of journey</a:t>
-            </a:r>
-          </a:p>
-        </p:txBody>
-      </p:sp>
     </p:spTree>
     <p:extLst>
       <p:ext uri="{BB962C8B-B14F-4D97-AF65-F5344CB8AC3E}">
@@ -4854,7 +5125,7 @@
           <a:p>
             <a:r>
               <a:rPr lang="en-US" dirty="0"/>
-              <a:t>The Next Steps</a:t>
+              <a:t>Next Steps</a:t>
             </a:r>
           </a:p>
         </p:txBody>
@@ -4877,7 +5148,9 @@
         </p:nvSpPr>
         <p:spPr/>
         <p:txBody>
-          <a:bodyPr/>
+          <a:bodyPr vert="horz" lIns="91440" tIns="45720" rIns="91440" bIns="45720" rtlCol="0" anchor="t">
+            <a:normAutofit/>
+          </a:bodyPr>
           <a:lstStyle/>
           <a:p>
             <a:r>
@@ -4887,8 +5160,12 @@
           </a:p>
           <a:p>
             <a:r>
+              <a:rPr lang="en-US"/>
+              <a:t>Retrieve</a:t>
+            </a:r>
+            <a:r>
               <a:rPr lang="en-US" dirty="0"/>
-              <a:t>Dig into data from states known to flare but not reporting</a:t>
+              <a:t> data from states known to flare but not reporting</a:t>
             </a:r>
           </a:p>
           <a:p>
@@ -5158,6 +5435,66 @@
           <a:chExt cx="0" cy="0"/>
         </a:xfrm>
       </p:grpSpPr>
+      <p:sp useBgFill="1">
+        <p:nvSpPr>
+          <p:cNvPr id="23" name="Rectangle 22">
+            <a:extLst>
+              <a:ext uri="{FF2B5EF4-FFF2-40B4-BE49-F238E27FC236}">
+                <a16:creationId xmlns:a16="http://schemas.microsoft.com/office/drawing/2014/main" id="{8D1AA55E-40D5-461B-A5A8-4AE8AAB71B08}"/>
+              </a:ext>
+              <a:ext uri="{C183D7F6-B498-43B3-948B-1728B52AA6E4}">
+                <adec:decorative xmlns:adec="http://schemas.microsoft.com/office/drawing/2017/decorative" val="1"/>
+              </a:ext>
+            </a:extLst>
+          </p:cNvPr>
+          <p:cNvSpPr>
+            <a:spLocks noGrp="1" noRot="1" noChangeAspect="1" noMove="1" noResize="1" noEditPoints="1" noAdjustHandles="1" noChangeArrowheads="1" noChangeShapeType="1" noTextEdit="1"/>
+          </p:cNvSpPr>
+          <p:nvPr>
+            <p:extLst>
+              <p:ext uri="{386F3935-93C4-4BCD-93E2-E3B085C9AB24}">
+                <p16:designElem xmlns:p16="http://schemas.microsoft.com/office/powerpoint/2015/main" val="1"/>
+              </p:ext>
+            </p:extLst>
+          </p:nvPr>
+        </p:nvSpPr>
+        <p:spPr>
+          <a:xfrm>
+            <a:off x="0" y="0"/>
+            <a:ext cx="12192000" cy="6858000"/>
+          </a:xfrm>
+          <a:prstGeom prst="rect">
+            <a:avLst/>
+          </a:prstGeom>
+          <a:ln>
+            <a:noFill/>
+          </a:ln>
+        </p:spPr>
+        <p:style>
+          <a:lnRef idx="2">
+            <a:schemeClr val="accent1">
+              <a:shade val="50000"/>
+            </a:schemeClr>
+          </a:lnRef>
+          <a:fillRef idx="1">
+            <a:schemeClr val="accent1"/>
+          </a:fillRef>
+          <a:effectRef idx="0">
+            <a:schemeClr val="accent1"/>
+          </a:effectRef>
+          <a:fontRef idx="minor">
+            <a:schemeClr val="lt1"/>
+          </a:fontRef>
+        </p:style>
+        <p:txBody>
+          <a:bodyPr rtlCol="0" anchor="ctr"/>
+          <a:lstStyle/>
+          <a:p>
+            <a:pPr algn="ctr"/>
+            <a:endParaRPr lang="en-US"/>
+          </a:p>
+        </p:txBody>
+      </p:sp>
       <p:sp>
         <p:nvSpPr>
           <p:cNvPr id="4" name="Title 3">
@@ -5174,18 +5511,590 @@
             <p:ph type="title"/>
           </p:nvPr>
         </p:nvSpPr>
-        <p:spPr/>
-        <p:txBody>
-          <a:bodyPr/>
+        <p:spPr>
+          <a:xfrm>
+            <a:off x="838200" y="698643"/>
+            <a:ext cx="5243394" cy="2225532"/>
+          </a:xfrm>
+        </p:spPr>
+        <p:txBody>
+          <a:bodyPr anchor="t">
+            <a:normAutofit/>
+          </a:bodyPr>
           <a:lstStyle/>
           <a:p>
             <a:r>
-              <a:rPr lang="en-US" dirty="0"/>
-              <a:t>The Why</a:t>
-            </a:r>
-          </a:p>
-        </p:txBody>
-      </p:sp>
+              <a:rPr lang="en-US"/>
+              <a:t>Why</a:t>
+            </a:r>
+          </a:p>
+        </p:txBody>
+      </p:sp>
+      <p:cxnSp>
+        <p:nvCxnSpPr>
+          <p:cNvPr id="25" name="Straight Connector 24">
+            <a:extLst>
+              <a:ext uri="{FF2B5EF4-FFF2-40B4-BE49-F238E27FC236}">
+                <a16:creationId xmlns:a16="http://schemas.microsoft.com/office/drawing/2014/main" id="{C49DA8F6-BCC1-4447-B54C-57856834B94B}"/>
+              </a:ext>
+              <a:ext uri="{C183D7F6-B498-43B3-948B-1728B52AA6E4}">
+                <adec:decorative xmlns:adec="http://schemas.microsoft.com/office/drawing/2017/decorative" val="1"/>
+              </a:ext>
+            </a:extLst>
+          </p:cNvPr>
+          <p:cNvCxnSpPr>
+            <a:cxnSpLocks noGrp="1" noRot="1" noChangeAspect="1" noMove="1" noResize="1" noEditPoints="1" noAdjustHandles="1" noChangeArrowheads="1" noChangeShapeType="1"/>
+          </p:cNvCxnSpPr>
+          <p:nvPr>
+            <p:extLst>
+              <p:ext uri="{386F3935-93C4-4BCD-93E2-E3B085C9AB24}">
+                <p16:designElem xmlns:p16="http://schemas.microsoft.com/office/powerpoint/2015/main" val="1"/>
+              </p:ext>
+            </p:extLst>
+          </p:nvPr>
+        </p:nvCxnSpPr>
+        <p:spPr>
+          <a:xfrm>
+            <a:off x="623622" y="373056"/>
+            <a:ext cx="0" cy="6476066"/>
+          </a:xfrm>
+          <a:prstGeom prst="line">
+            <a:avLst/>
+          </a:prstGeom>
+          <a:ln w="25400" cap="sq">
+            <a:gradFill flip="none" rotWithShape="1">
+              <a:gsLst>
+                <a:gs pos="0">
+                  <a:schemeClr val="accent2"/>
+                </a:gs>
+                <a:gs pos="100000">
+                  <a:schemeClr val="accent4"/>
+                </a:gs>
+              </a:gsLst>
+              <a:lin ang="16200000" scaled="1"/>
+              <a:tileRect/>
+            </a:gradFill>
+            <a:bevel/>
+          </a:ln>
+        </p:spPr>
+        <p:style>
+          <a:lnRef idx="1">
+            <a:schemeClr val="accent1"/>
+          </a:lnRef>
+          <a:fillRef idx="0">
+            <a:schemeClr val="accent1"/>
+          </a:fillRef>
+          <a:effectRef idx="0">
+            <a:schemeClr val="accent1"/>
+          </a:effectRef>
+          <a:fontRef idx="minor">
+            <a:schemeClr val="tx1"/>
+          </a:fontRef>
+        </p:style>
+      </p:cxnSp>
+      <p:sp>
+        <p:nvSpPr>
+          <p:cNvPr id="27" name="Graphic 11">
+            <a:extLst>
+              <a:ext uri="{FF2B5EF4-FFF2-40B4-BE49-F238E27FC236}">
+                <a16:creationId xmlns:a16="http://schemas.microsoft.com/office/drawing/2014/main" id="{6CB927A4-E432-4310-9CD5-E89FF5063179}"/>
+              </a:ext>
+              <a:ext uri="{C183D7F6-B498-43B3-948B-1728B52AA6E4}">
+                <adec:decorative xmlns:adec="http://schemas.microsoft.com/office/drawing/2017/decorative" val="1"/>
+              </a:ext>
+            </a:extLst>
+          </p:cNvPr>
+          <p:cNvSpPr>
+            <a:spLocks noGrp="1" noRot="1" noChangeAspect="1" noMove="1" noResize="1" noEditPoints="1" noAdjustHandles="1" noChangeArrowheads="1" noChangeShapeType="1" noTextEdit="1"/>
+          </p:cNvSpPr>
+          <p:nvPr>
+            <p:extLst>
+              <p:ext uri="{386F3935-93C4-4BCD-93E2-E3B085C9AB24}">
+                <p16:designElem xmlns:p16="http://schemas.microsoft.com/office/powerpoint/2015/main" val="1"/>
+              </p:ext>
+            </p:extLst>
+          </p:nvPr>
+        </p:nvSpPr>
+        <p:spPr>
+          <a:xfrm>
+            <a:off x="6125948" y="740316"/>
+            <a:ext cx="139039" cy="139039"/>
+          </a:xfrm>
+          <a:custGeom>
+            <a:avLst/>
+            <a:gdLst>
+              <a:gd name="connsiteX0" fmla="*/ 129602 w 139039"/>
+              <a:gd name="connsiteY0" fmla="*/ 60082 h 139039"/>
+              <a:gd name="connsiteX1" fmla="*/ 78957 w 139039"/>
+              <a:gd name="connsiteY1" fmla="*/ 60082 h 139039"/>
+              <a:gd name="connsiteX2" fmla="*/ 78957 w 139039"/>
+              <a:gd name="connsiteY2" fmla="*/ 9437 h 139039"/>
+              <a:gd name="connsiteX3" fmla="*/ 69520 w 139039"/>
+              <a:gd name="connsiteY3" fmla="*/ 0 h 139039"/>
+              <a:gd name="connsiteX4" fmla="*/ 60082 w 139039"/>
+              <a:gd name="connsiteY4" fmla="*/ 9437 h 139039"/>
+              <a:gd name="connsiteX5" fmla="*/ 60082 w 139039"/>
+              <a:gd name="connsiteY5" fmla="*/ 60082 h 139039"/>
+              <a:gd name="connsiteX6" fmla="*/ 9437 w 139039"/>
+              <a:gd name="connsiteY6" fmla="*/ 60082 h 139039"/>
+              <a:gd name="connsiteX7" fmla="*/ 0 w 139039"/>
+              <a:gd name="connsiteY7" fmla="*/ 69520 h 139039"/>
+              <a:gd name="connsiteX8" fmla="*/ 9437 w 139039"/>
+              <a:gd name="connsiteY8" fmla="*/ 78957 h 139039"/>
+              <a:gd name="connsiteX9" fmla="*/ 60082 w 139039"/>
+              <a:gd name="connsiteY9" fmla="*/ 78957 h 139039"/>
+              <a:gd name="connsiteX10" fmla="*/ 60082 w 139039"/>
+              <a:gd name="connsiteY10" fmla="*/ 129602 h 139039"/>
+              <a:gd name="connsiteX11" fmla="*/ 69520 w 139039"/>
+              <a:gd name="connsiteY11" fmla="*/ 139039 h 139039"/>
+              <a:gd name="connsiteX12" fmla="*/ 78957 w 139039"/>
+              <a:gd name="connsiteY12" fmla="*/ 129602 h 139039"/>
+              <a:gd name="connsiteX13" fmla="*/ 78957 w 139039"/>
+              <a:gd name="connsiteY13" fmla="*/ 78957 h 139039"/>
+              <a:gd name="connsiteX14" fmla="*/ 129602 w 139039"/>
+              <a:gd name="connsiteY14" fmla="*/ 78957 h 139039"/>
+              <a:gd name="connsiteX15" fmla="*/ 139039 w 139039"/>
+              <a:gd name="connsiteY15" fmla="*/ 69520 h 139039"/>
+              <a:gd name="connsiteX16" fmla="*/ 129602 w 139039"/>
+              <a:gd name="connsiteY16" fmla="*/ 60082 h 139039"/>
+            </a:gdLst>
+            <a:ahLst/>
+            <a:cxnLst>
+              <a:cxn ang="0">
+                <a:pos x="connsiteX0" y="connsiteY0"/>
+              </a:cxn>
+              <a:cxn ang="0">
+                <a:pos x="connsiteX1" y="connsiteY1"/>
+              </a:cxn>
+              <a:cxn ang="0">
+                <a:pos x="connsiteX2" y="connsiteY2"/>
+              </a:cxn>
+              <a:cxn ang="0">
+                <a:pos x="connsiteX3" y="connsiteY3"/>
+              </a:cxn>
+              <a:cxn ang="0">
+                <a:pos x="connsiteX4" y="connsiteY4"/>
+              </a:cxn>
+              <a:cxn ang="0">
+                <a:pos x="connsiteX5" y="connsiteY5"/>
+              </a:cxn>
+              <a:cxn ang="0">
+                <a:pos x="connsiteX6" y="connsiteY6"/>
+              </a:cxn>
+              <a:cxn ang="0">
+                <a:pos x="connsiteX7" y="connsiteY7"/>
+              </a:cxn>
+              <a:cxn ang="0">
+                <a:pos x="connsiteX8" y="connsiteY8"/>
+              </a:cxn>
+              <a:cxn ang="0">
+                <a:pos x="connsiteX9" y="connsiteY9"/>
+              </a:cxn>
+              <a:cxn ang="0">
+                <a:pos x="connsiteX10" y="connsiteY10"/>
+              </a:cxn>
+              <a:cxn ang="0">
+                <a:pos x="connsiteX11" y="connsiteY11"/>
+              </a:cxn>
+              <a:cxn ang="0">
+                <a:pos x="connsiteX12" y="connsiteY12"/>
+              </a:cxn>
+              <a:cxn ang="0">
+                <a:pos x="connsiteX13" y="connsiteY13"/>
+              </a:cxn>
+              <a:cxn ang="0">
+                <a:pos x="connsiteX14" y="connsiteY14"/>
+              </a:cxn>
+              <a:cxn ang="0">
+                <a:pos x="connsiteX15" y="connsiteY15"/>
+              </a:cxn>
+              <a:cxn ang="0">
+                <a:pos x="connsiteX16" y="connsiteY16"/>
+              </a:cxn>
+            </a:cxnLst>
+            <a:rect l="l" t="t" r="r" b="b"/>
+            <a:pathLst>
+              <a:path w="139039" h="139039">
+                <a:moveTo>
+                  <a:pt x="129602" y="60082"/>
+                </a:moveTo>
+                <a:lnTo>
+                  <a:pt x="78957" y="60082"/>
+                </a:lnTo>
+                <a:lnTo>
+                  <a:pt x="78957" y="9437"/>
+                </a:lnTo>
+                <a:cubicBezTo>
+                  <a:pt x="78957" y="4225"/>
+                  <a:pt x="74731" y="0"/>
+                  <a:pt x="69520" y="0"/>
+                </a:cubicBezTo>
+                <a:cubicBezTo>
+                  <a:pt x="64308" y="0"/>
+                  <a:pt x="60082" y="4225"/>
+                  <a:pt x="60082" y="9437"/>
+                </a:cubicBezTo>
+                <a:lnTo>
+                  <a:pt x="60082" y="60082"/>
+                </a:lnTo>
+                <a:lnTo>
+                  <a:pt x="9437" y="60082"/>
+                </a:lnTo>
+                <a:cubicBezTo>
+                  <a:pt x="4225" y="60082"/>
+                  <a:pt x="0" y="64308"/>
+                  <a:pt x="0" y="69520"/>
+                </a:cubicBezTo>
+                <a:cubicBezTo>
+                  <a:pt x="0" y="74731"/>
+                  <a:pt x="4225" y="78957"/>
+                  <a:pt x="9437" y="78957"/>
+                </a:cubicBezTo>
+                <a:lnTo>
+                  <a:pt x="60082" y="78957"/>
+                </a:lnTo>
+                <a:lnTo>
+                  <a:pt x="60082" y="129602"/>
+                </a:lnTo>
+                <a:cubicBezTo>
+                  <a:pt x="60082" y="134814"/>
+                  <a:pt x="64308" y="139039"/>
+                  <a:pt x="69520" y="139039"/>
+                </a:cubicBezTo>
+                <a:cubicBezTo>
+                  <a:pt x="74731" y="139039"/>
+                  <a:pt x="78957" y="134814"/>
+                  <a:pt x="78957" y="129602"/>
+                </a:cubicBezTo>
+                <a:lnTo>
+                  <a:pt x="78957" y="78957"/>
+                </a:lnTo>
+                <a:lnTo>
+                  <a:pt x="129602" y="78957"/>
+                </a:lnTo>
+                <a:cubicBezTo>
+                  <a:pt x="134814" y="78957"/>
+                  <a:pt x="139039" y="74731"/>
+                  <a:pt x="139039" y="69520"/>
+                </a:cubicBezTo>
+                <a:cubicBezTo>
+                  <a:pt x="139039" y="64308"/>
+                  <a:pt x="134814" y="60082"/>
+                  <a:pt x="129602" y="60082"/>
+                </a:cubicBezTo>
+                <a:close/>
+              </a:path>
+            </a:pathLst>
+          </a:custGeom>
+          <a:solidFill>
+            <a:schemeClr val="accent4"/>
+          </a:solidFill>
+          <a:ln w="603" cap="flat">
+            <a:noFill/>
+            <a:prstDash val="solid"/>
+            <a:miter/>
+          </a:ln>
+        </p:spPr>
+        <p:txBody>
+          <a:bodyPr rtlCol="0" anchor="ctr"/>
+          <a:lstStyle/>
+          <a:p>
+            <a:endParaRPr lang="en-US"/>
+          </a:p>
+        </p:txBody>
+      </p:sp>
+      <p:sp>
+        <p:nvSpPr>
+          <p:cNvPr id="29" name="Graphic 10">
+            <a:extLst>
+              <a:ext uri="{FF2B5EF4-FFF2-40B4-BE49-F238E27FC236}">
+                <a16:creationId xmlns:a16="http://schemas.microsoft.com/office/drawing/2014/main" id="{E3020543-B24B-4EC4-8FFC-8DD88EEA91A8}"/>
+              </a:ext>
+              <a:ext uri="{C183D7F6-B498-43B3-948B-1728B52AA6E4}">
+                <adec:decorative xmlns:adec="http://schemas.microsoft.com/office/drawing/2017/decorative" val="1"/>
+              </a:ext>
+            </a:extLst>
+          </p:cNvPr>
+          <p:cNvSpPr>
+            <a:spLocks noGrp="1" noRot="1" noChangeAspect="1" noMove="1" noResize="1" noEditPoints="1" noAdjustHandles="1" noChangeArrowheads="1" noChangeShapeType="1" noTextEdit="1"/>
+          </p:cNvSpPr>
+          <p:nvPr>
+            <p:extLst>
+              <p:ext uri="{386F3935-93C4-4BCD-93E2-E3B085C9AB24}">
+                <p16:designElem xmlns:p16="http://schemas.microsoft.com/office/powerpoint/2015/main" val="1"/>
+              </p:ext>
+            </p:extLst>
+          </p:nvPr>
+        </p:nvSpPr>
+        <p:spPr>
+          <a:xfrm>
+            <a:off x="6484728" y="969611"/>
+            <a:ext cx="91138" cy="91138"/>
+          </a:xfrm>
+          <a:custGeom>
+            <a:avLst/>
+            <a:gdLst>
+              <a:gd name="connsiteX0" fmla="*/ 91138 w 91138"/>
+              <a:gd name="connsiteY0" fmla="*/ 45569 h 91138"/>
+              <a:gd name="connsiteX1" fmla="*/ 45569 w 91138"/>
+              <a:gd name="connsiteY1" fmla="*/ 91138 h 91138"/>
+              <a:gd name="connsiteX2" fmla="*/ 0 w 91138"/>
+              <a:gd name="connsiteY2" fmla="*/ 45569 h 91138"/>
+              <a:gd name="connsiteX3" fmla="*/ 45569 w 91138"/>
+              <a:gd name="connsiteY3" fmla="*/ 0 h 91138"/>
+              <a:gd name="connsiteX4" fmla="*/ 91138 w 91138"/>
+              <a:gd name="connsiteY4" fmla="*/ 45569 h 91138"/>
+            </a:gdLst>
+            <a:ahLst/>
+            <a:cxnLst>
+              <a:cxn ang="0">
+                <a:pos x="connsiteX0" y="connsiteY0"/>
+              </a:cxn>
+              <a:cxn ang="0">
+                <a:pos x="connsiteX1" y="connsiteY1"/>
+              </a:cxn>
+              <a:cxn ang="0">
+                <a:pos x="connsiteX2" y="connsiteY2"/>
+              </a:cxn>
+              <a:cxn ang="0">
+                <a:pos x="connsiteX3" y="connsiteY3"/>
+              </a:cxn>
+              <a:cxn ang="0">
+                <a:pos x="connsiteX4" y="connsiteY4"/>
+              </a:cxn>
+            </a:cxnLst>
+            <a:rect l="l" t="t" r="r" b="b"/>
+            <a:pathLst>
+              <a:path w="91138" h="91138">
+                <a:moveTo>
+                  <a:pt x="91138" y="45569"/>
+                </a:moveTo>
+                <a:cubicBezTo>
+                  <a:pt x="91138" y="70736"/>
+                  <a:pt x="70736" y="91138"/>
+                  <a:pt x="45569" y="91138"/>
+                </a:cubicBezTo>
+                <a:cubicBezTo>
+                  <a:pt x="20402" y="91138"/>
+                  <a:pt x="0" y="70736"/>
+                  <a:pt x="0" y="45569"/>
+                </a:cubicBezTo>
+                <a:cubicBezTo>
+                  <a:pt x="0" y="20402"/>
+                  <a:pt x="20402" y="0"/>
+                  <a:pt x="45569" y="0"/>
+                </a:cubicBezTo>
+                <a:cubicBezTo>
+                  <a:pt x="70736" y="0"/>
+                  <a:pt x="91138" y="20402"/>
+                  <a:pt x="91138" y="45569"/>
+                </a:cubicBezTo>
+                <a:close/>
+              </a:path>
+            </a:pathLst>
+          </a:custGeom>
+          <a:solidFill>
+            <a:schemeClr val="accent4"/>
+          </a:solidFill>
+          <a:ln w="422" cap="flat">
+            <a:noFill/>
+            <a:prstDash val="solid"/>
+            <a:miter/>
+          </a:ln>
+        </p:spPr>
+        <p:txBody>
+          <a:bodyPr rtlCol="0" anchor="ctr"/>
+          <a:lstStyle/>
+          <a:p>
+            <a:endParaRPr lang="en-US"/>
+          </a:p>
+        </p:txBody>
+      </p:sp>
+      <p:sp>
+        <p:nvSpPr>
+          <p:cNvPr id="31" name="Graphic 12">
+            <a:extLst>
+              <a:ext uri="{FF2B5EF4-FFF2-40B4-BE49-F238E27FC236}">
+                <a16:creationId xmlns:a16="http://schemas.microsoft.com/office/drawing/2014/main" id="{1453BF6C-B012-48B7-B4E8-6D7AC7C27D02}"/>
+              </a:ext>
+              <a:ext uri="{C183D7F6-B498-43B3-948B-1728B52AA6E4}">
+                <adec:decorative xmlns:adec="http://schemas.microsoft.com/office/drawing/2017/decorative" val="1"/>
+              </a:ext>
+            </a:extLst>
+          </p:cNvPr>
+          <p:cNvSpPr>
+            <a:spLocks noGrp="1" noRot="1" noChangeAspect="1" noMove="1" noResize="1" noEditPoints="1" noAdjustHandles="1" noChangeArrowheads="1" noChangeShapeType="1" noTextEdit="1"/>
+          </p:cNvSpPr>
+          <p:nvPr>
+            <p:extLst>
+              <p:ext uri="{386F3935-93C4-4BCD-93E2-E3B085C9AB24}">
+                <p16:designElem xmlns:p16="http://schemas.microsoft.com/office/powerpoint/2015/main" val="1"/>
+              </p:ext>
+            </p:extLst>
+          </p:nvPr>
+        </p:nvSpPr>
+        <p:spPr>
+          <a:xfrm>
+            <a:off x="6110408" y="1484755"/>
+            <a:ext cx="127714" cy="127714"/>
+          </a:xfrm>
+          <a:custGeom>
+            <a:avLst/>
+            <a:gdLst>
+              <a:gd name="connsiteX0" fmla="*/ 63857 w 127714"/>
+              <a:gd name="connsiteY0" fmla="*/ 18874 h 127714"/>
+              <a:gd name="connsiteX1" fmla="*/ 108840 w 127714"/>
+              <a:gd name="connsiteY1" fmla="*/ 63857 h 127714"/>
+              <a:gd name="connsiteX2" fmla="*/ 63857 w 127714"/>
+              <a:gd name="connsiteY2" fmla="*/ 108840 h 127714"/>
+              <a:gd name="connsiteX3" fmla="*/ 18874 w 127714"/>
+              <a:gd name="connsiteY3" fmla="*/ 63857 h 127714"/>
+              <a:gd name="connsiteX4" fmla="*/ 63857 w 127714"/>
+              <a:gd name="connsiteY4" fmla="*/ 18874 h 127714"/>
+              <a:gd name="connsiteX5" fmla="*/ 63857 w 127714"/>
+              <a:gd name="connsiteY5" fmla="*/ 0 h 127714"/>
+              <a:gd name="connsiteX6" fmla="*/ 0 w 127714"/>
+              <a:gd name="connsiteY6" fmla="*/ 63857 h 127714"/>
+              <a:gd name="connsiteX7" fmla="*/ 63857 w 127714"/>
+              <a:gd name="connsiteY7" fmla="*/ 127714 h 127714"/>
+              <a:gd name="connsiteX8" fmla="*/ 127714 w 127714"/>
+              <a:gd name="connsiteY8" fmla="*/ 63857 h 127714"/>
+              <a:gd name="connsiteX9" fmla="*/ 63857 w 127714"/>
+              <a:gd name="connsiteY9" fmla="*/ 0 h 127714"/>
+            </a:gdLst>
+            <a:ahLst/>
+            <a:cxnLst>
+              <a:cxn ang="0">
+                <a:pos x="connsiteX0" y="connsiteY0"/>
+              </a:cxn>
+              <a:cxn ang="0">
+                <a:pos x="connsiteX1" y="connsiteY1"/>
+              </a:cxn>
+              <a:cxn ang="0">
+                <a:pos x="connsiteX2" y="connsiteY2"/>
+              </a:cxn>
+              <a:cxn ang="0">
+                <a:pos x="connsiteX3" y="connsiteY3"/>
+              </a:cxn>
+              <a:cxn ang="0">
+                <a:pos x="connsiteX4" y="connsiteY4"/>
+              </a:cxn>
+              <a:cxn ang="0">
+                <a:pos x="connsiteX5" y="connsiteY5"/>
+              </a:cxn>
+              <a:cxn ang="0">
+                <a:pos x="connsiteX6" y="connsiteY6"/>
+              </a:cxn>
+              <a:cxn ang="0">
+                <a:pos x="connsiteX7" y="connsiteY7"/>
+              </a:cxn>
+              <a:cxn ang="0">
+                <a:pos x="connsiteX8" y="connsiteY8"/>
+              </a:cxn>
+              <a:cxn ang="0">
+                <a:pos x="connsiteX9" y="connsiteY9"/>
+              </a:cxn>
+            </a:cxnLst>
+            <a:rect l="l" t="t" r="r" b="b"/>
+            <a:pathLst>
+              <a:path w="127714" h="127714">
+                <a:moveTo>
+                  <a:pt x="63857" y="18874"/>
+                </a:moveTo>
+                <a:cubicBezTo>
+                  <a:pt x="88700" y="18874"/>
+                  <a:pt x="108840" y="39014"/>
+                  <a:pt x="108840" y="63857"/>
+                </a:cubicBezTo>
+                <a:cubicBezTo>
+                  <a:pt x="108840" y="88700"/>
+                  <a:pt x="88700" y="108840"/>
+                  <a:pt x="63857" y="108840"/>
+                </a:cubicBezTo>
+                <a:cubicBezTo>
+                  <a:pt x="39014" y="108840"/>
+                  <a:pt x="18874" y="88700"/>
+                  <a:pt x="18874" y="63857"/>
+                </a:cubicBezTo>
+                <a:cubicBezTo>
+                  <a:pt x="18898" y="39024"/>
+                  <a:pt x="39024" y="18898"/>
+                  <a:pt x="63857" y="18874"/>
+                </a:cubicBezTo>
+                <a:moveTo>
+                  <a:pt x="63857" y="0"/>
+                </a:moveTo>
+                <a:cubicBezTo>
+                  <a:pt x="28590" y="0"/>
+                  <a:pt x="0" y="28590"/>
+                  <a:pt x="0" y="63857"/>
+                </a:cubicBezTo>
+                <a:cubicBezTo>
+                  <a:pt x="0" y="99124"/>
+                  <a:pt x="28590" y="127714"/>
+                  <a:pt x="63857" y="127714"/>
+                </a:cubicBezTo>
+                <a:cubicBezTo>
+                  <a:pt x="99124" y="127714"/>
+                  <a:pt x="127714" y="99124"/>
+                  <a:pt x="127714" y="63857"/>
+                </a:cubicBezTo>
+                <a:cubicBezTo>
+                  <a:pt x="127714" y="28590"/>
+                  <a:pt x="99124" y="0"/>
+                  <a:pt x="63857" y="0"/>
+                </a:cubicBezTo>
+                <a:close/>
+              </a:path>
+            </a:pathLst>
+          </a:custGeom>
+          <a:solidFill>
+            <a:schemeClr val="accent4"/>
+          </a:solidFill>
+          <a:ln w="610" cap="flat">
+            <a:noFill/>
+            <a:prstDash val="solid"/>
+            <a:miter/>
+          </a:ln>
+        </p:spPr>
+        <p:txBody>
+          <a:bodyPr rtlCol="0" anchor="ctr"/>
+          <a:lstStyle/>
+          <a:p>
+            <a:endParaRPr lang="en-US"/>
+          </a:p>
+        </p:txBody>
+      </p:sp>
+      <p:pic>
+        <p:nvPicPr>
+          <p:cNvPr id="2" name="Picture 1">
+            <a:extLst>
+              <a:ext uri="{FF2B5EF4-FFF2-40B4-BE49-F238E27FC236}">
+                <a16:creationId xmlns:a16="http://schemas.microsoft.com/office/drawing/2014/main" id="{BCA981D1-ACCE-4198-91DE-CD7485DE9DE7}"/>
+              </a:ext>
+            </a:extLst>
+          </p:cNvPr>
+          <p:cNvPicPr>
+            <a:picLocks noChangeAspect="1"/>
+          </p:cNvPicPr>
+          <p:nvPr/>
+        </p:nvPicPr>
+        <p:blipFill>
+          <a:blip r:embed="rId2"/>
+          <a:stretch>
+            <a:fillRect/>
+          </a:stretch>
+        </p:blipFill>
+        <p:spPr>
+          <a:xfrm>
+            <a:off x="838200" y="2036107"/>
+            <a:ext cx="5999476" cy="3961918"/>
+          </a:xfrm>
+          <a:prstGeom prst="rect">
+            <a:avLst/>
+          </a:prstGeom>
+        </p:spPr>
+      </p:pic>
       <p:sp>
         <p:nvSpPr>
           <p:cNvPr id="5" name="Content Placeholder 4">
@@ -5202,36 +6111,47 @@
             <p:ph idx="1"/>
           </p:nvPr>
         </p:nvSpPr>
-        <p:spPr/>
-        <p:txBody>
-          <a:bodyPr/>
+        <p:spPr>
+          <a:xfrm>
+            <a:off x="7229042" y="2357120"/>
+            <a:ext cx="4124758" cy="3642990"/>
+          </a:xfrm>
+        </p:spPr>
+        <p:txBody>
+          <a:bodyPr anchor="ctr">
+            <a:normAutofit/>
+          </a:bodyPr>
           <a:lstStyle/>
           <a:p>
             <a:r>
-              <a:rPr lang="en-US" sz="3200" dirty="0"/>
+              <a:rPr lang="en-US" sz="1800" dirty="0"/>
               <a:t>Energy drives the global economy – wasting it is bad</a:t>
             </a:r>
           </a:p>
           <a:p>
             <a:r>
-              <a:rPr lang="en-US" sz="3200" dirty="0"/>
-              <a:t>Most oil/gas producing states report flaring data</a:t>
-            </a:r>
-          </a:p>
-          <a:p>
-            <a:r>
-              <a:rPr lang="en-US" sz="3200" dirty="0"/>
+              <a:rPr lang="en-US" sz="1800"/>
+              <a:t>Oil</a:t>
+            </a:r>
+            <a:r>
+              <a:rPr lang="en-US" sz="1800" dirty="0"/>
+              <a:t> and gas represent a huge portion of energy consumption</a:t>
+            </a:r>
+          </a:p>
+          <a:p>
+            <a:r>
+              <a:rPr lang="en-US" sz="1800" dirty="0"/>
               <a:t>Solving problems begins with quantifying them</a:t>
             </a:r>
           </a:p>
           <a:p>
-            <a:endParaRPr lang="en-US" dirty="0"/>
-          </a:p>
-          <a:p>
-            <a:endParaRPr lang="en-US" dirty="0"/>
-          </a:p>
-          <a:p>
-            <a:endParaRPr lang="en-US" dirty="0"/>
+            <a:endParaRPr lang="en-US" sz="1800" dirty="0"/>
+          </a:p>
+          <a:p>
+            <a:endParaRPr lang="en-US" sz="1800" dirty="0"/>
+          </a:p>
+          <a:p>
+            <a:endParaRPr lang="en-US" sz="1800" dirty="0"/>
           </a:p>
         </p:txBody>
       </p:sp>
@@ -5288,7 +6208,7 @@
           <a:p>
             <a:r>
               <a:rPr lang="en-US" dirty="0"/>
-              <a:t>The Goals</a:t>
+              <a:t>Goals</a:t>
             </a:r>
           </a:p>
         </p:txBody>
@@ -5311,7 +6231,9 @@
         </p:nvSpPr>
         <p:spPr/>
         <p:txBody>
-          <a:bodyPr/>
+          <a:bodyPr vert="horz" lIns="91440" tIns="45720" rIns="91440" bIns="45720" rtlCol="0" anchor="t">
+            <a:normAutofit/>
+          </a:bodyPr>
           <a:lstStyle/>
           <a:p>
             <a:r>
@@ -5321,21 +6243,71 @@
           </a:p>
           <a:p>
             <a:r>
+              <a:rPr lang="en-US"/>
+              <a:t>Compare energy </a:t>
+            </a:r>
+            <a:r>
               <a:rPr lang="en-US" dirty="0"/>
-              <a:t>Test the difference between waste in Texas vs. US</a:t>
-            </a:r>
-          </a:p>
-          <a:p>
+              <a:t>waste </a:t>
+            </a:r>
+            <a:r>
+              <a:rPr lang="en-US"/>
+              <a:t>ratio between</a:t>
+            </a:r>
             <a:r>
               <a:rPr lang="en-US" dirty="0"/>
-              <a:t>Provide context on the issue to quantify the waste</a:t>
-            </a:r>
-          </a:p>
-          <a:p>
+              <a:t> Texas </a:t>
+            </a:r>
+            <a:r>
+              <a:rPr lang="en-US"/>
+              <a:t>and</a:t>
+            </a:r>
             <a:r>
               <a:rPr lang="en-US" dirty="0"/>
-              <a:t>Provide the foundation for future examination </a:t>
-            </a:r>
+              <a:t> </a:t>
+            </a:r>
+            <a:r>
+              <a:rPr lang="en-US"/>
+              <a:t>the </a:t>
+            </a:r>
+            <a:r>
+              <a:rPr lang="en-US" dirty="0"/>
+              <a:t>US</a:t>
+            </a:r>
+          </a:p>
+          <a:p>
+            <a:r>
+              <a:rPr lang="en-US" dirty="0"/>
+              <a:t>Provide</a:t>
+            </a:r>
+            <a:r>
+              <a:rPr lang="en-US"/>
+              <a:t> real world perspective</a:t>
+            </a:r>
+            <a:r>
+              <a:rPr lang="en-US" dirty="0"/>
+              <a:t> </a:t>
+            </a:r>
+            <a:r>
+              <a:rPr lang="en-US"/>
+              <a:t>on scale of waste</a:t>
+            </a:r>
+            <a:endParaRPr lang="en-US" dirty="0"/>
+          </a:p>
+          <a:p>
+            <a:r>
+              <a:rPr lang="en-US"/>
+              <a:t>Build a foundation</a:t>
+            </a:r>
+            <a:r>
+              <a:rPr lang="en-US" dirty="0"/>
+              <a:t> for future examination</a:t>
+            </a:r>
+            <a:r>
+              <a:rPr lang="en-US"/>
+              <a:t> </a:t>
+            </a:r>
+            <a:endParaRPr lang="en-US" dirty="0"/>
           </a:p>
         </p:txBody>
       </p:sp>
@@ -5392,7 +6364,7 @@
           <a:p>
             <a:r>
               <a:rPr lang="en-US" dirty="0"/>
-              <a:t>The Data</a:t>
+              <a:t>Data</a:t>
             </a:r>
           </a:p>
         </p:txBody>
@@ -5447,60 +6419,74 @@
         </p:nvSpPr>
         <p:spPr/>
         <p:txBody>
-          <a:bodyPr>
-            <a:normAutofit fontScale="85000" lnSpcReduction="20000"/>
+          <a:bodyPr vert="horz" lIns="91440" tIns="45720" rIns="91440" bIns="45720" rtlCol="0" anchor="t">
+            <a:normAutofit/>
           </a:bodyPr>
           <a:lstStyle/>
           <a:p>
             <a:pPr fontAlgn="ctr"/>
             <a:r>
-              <a:rPr lang="en-US" dirty="0"/>
-              <a:t>BY STATE Flared:</a:t>
-            </a:r>
-          </a:p>
-          <a:p>
-            <a:pPr fontAlgn="ctr"/>
-            <a:r>
-              <a:rPr lang="en-US" dirty="0">
+              <a:rPr lang="en-US" sz="2400">
+                <a:ea typeface="+mn-lt"/>
+                <a:cs typeface="+mn-lt"/>
                 <a:hlinkClick r:id="rId3"/>
               </a:rPr>
-              <a:t>https://www.eia.gov/dnav/ng/ng_prod_sum_a_EPG0_VGV_mmcf_a.htm</a:t>
-            </a:r>
-            <a:endParaRPr lang="en-US" dirty="0"/>
+              <a:t>By State</a:t>
+            </a:r>
+            <a:r>
+              <a:rPr lang="en-US" sz="2400">
+                <a:hlinkClick r:id="rId3"/>
+              </a:rPr>
+              <a:t> Flared</a:t>
+            </a:r>
+            <a:endParaRPr lang="en-US" sz="2400" dirty="0"/>
           </a:p>
           <a:p>
             <a:pPr fontAlgn="ctr"/>
-            <a:r>
-              <a:rPr lang="en-US" dirty="0"/>
-              <a:t>BY STATE CRUDE OIL Production:</a:t>
-            </a:r>
+            <a:endParaRPr lang="en-US" sz="2400" dirty="0"/>
           </a:p>
           <a:p>
             <a:pPr fontAlgn="ctr"/>
             <a:r>
-              <a:rPr lang="en-US" dirty="0">
+              <a:rPr lang="en-US" sz="2400">
+                <a:ea typeface="+mn-lt"/>
+                <a:cs typeface="+mn-lt"/>
                 <a:hlinkClick r:id="rId4"/>
               </a:rPr>
-              <a:t>https://www.eia.gov/dnav/pet/pet_crd_crpdn_adc_mbbl_m.htm</a:t>
-            </a:r>
-            <a:endParaRPr lang="en-US" dirty="0"/>
+              <a:t>By State</a:t>
+            </a:r>
+            <a:r>
+              <a:rPr lang="en-US" sz="2400">
+                <a:hlinkClick r:id="rId4"/>
+              </a:rPr>
+              <a:t> Crude Oil produced</a:t>
+            </a:r>
+            <a:r>
+              <a:rPr lang="en-US" sz="2400"/>
+              <a:t> </a:t>
+            </a:r>
+            <a:endParaRPr lang="en-US" sz="2400" dirty="0"/>
           </a:p>
           <a:p>
             <a:pPr fontAlgn="ctr"/>
-            <a:r>
-              <a:rPr lang="en-US" dirty="0"/>
-              <a:t>BY STATE Natural Gas production:</a:t>
-            </a:r>
+            <a:endParaRPr lang="en-US" sz="2400" dirty="0"/>
           </a:p>
           <a:p>
             <a:pPr fontAlgn="ctr"/>
             <a:r>
-              <a:rPr lang="en-US" dirty="0">
+              <a:rPr lang="en-US" sz="2400">
                 <a:hlinkClick r:id="rId5"/>
               </a:rPr>
-              <a:t>https://www.eia.gov/dnav/ng/ng_prod_sum_a_EPG0_FGW_mmcf_a.htm</a:t>
-            </a:r>
-            <a:endParaRPr lang="en-US" dirty="0"/>
+              <a:t>By State Natural Gas production</a:t>
+            </a:r>
+            <a:r>
+              <a:rPr lang="en-US" sz="2400"/>
+              <a:t> </a:t>
+            </a:r>
+          </a:p>
+          <a:p>
+            <a:pPr fontAlgn="ctr"/>
+            <a:endParaRPr lang="en-US" sz="2400" dirty="0"/>
           </a:p>
           <a:p>
             <a:endParaRPr lang="en-US" dirty="0"/>
@@ -5560,7 +6546,7 @@
           <a:p>
             <a:r>
               <a:rPr lang="en-US" dirty="0"/>
-              <a:t>The Test</a:t>
+              <a:t>Test</a:t>
             </a:r>
           </a:p>
         </p:txBody>
@@ -5583,25 +6569,39 @@
         </p:nvSpPr>
         <p:spPr/>
         <p:txBody>
-          <a:bodyPr/>
+          <a:bodyPr vert="horz" lIns="91440" tIns="45720" rIns="91440" bIns="45720" rtlCol="0" anchor="t">
+            <a:normAutofit/>
+          </a:bodyPr>
           <a:lstStyle/>
           <a:p>
+            <a:pPr marL="0" indent="0">
+              <a:buNone/>
+            </a:pPr>
+            <a:endParaRPr lang="en-US"/>
+          </a:p>
+          <a:p>
             <a:r>
               <a:rPr lang="en-US" dirty="0"/>
-              <a:t>Texas is the #1 oil/gas producer in the country</a:t>
-            </a:r>
-          </a:p>
-          <a:p>
+              <a:t>Compare the ratio of flared energy to energy produced </a:t>
+            </a:r>
+            <a:r>
+              <a:rPr lang="en-US"/>
+              <a:t>in </a:t>
+            </a:r>
             <a:r>
               <a:rPr lang="en-US" dirty="0"/>
-              <a:t>Compare the ratio of flared energy to energy produced for Texas and US</a:t>
+              <a:t>Texas and US</a:t>
             </a:r>
           </a:p>
           <a:p>
             <a:pPr lvl="1"/>
             <a:r>
+              <a:rPr lang="en-US" b="1"/>
+              <a:t>Ho</a:t>
+            </a:r>
+            <a:r>
               <a:rPr lang="en-US" b="1" dirty="0"/>
-              <a:t>Null Hypothesis: </a:t>
+              <a:t>: </a:t>
             </a:r>
             <a:r>
               <a:rPr lang="en-US" dirty="0"/>
@@ -5611,8 +6611,12 @@
           <a:p>
             <a:pPr lvl="1"/>
             <a:r>
+              <a:rPr lang="en-US" b="1"/>
+              <a:t>Ha</a:t>
+            </a:r>
+            <a:r>
               <a:rPr lang="en-US" b="1" dirty="0"/>
-              <a:t>Alternate Hypothesis: </a:t>
+              <a:t>: </a:t>
             </a:r>
             <a:r>
               <a:rPr lang="en-US" dirty="0"/>
@@ -5690,7 +6694,7 @@
           <a:p>
             <a:r>
               <a:rPr lang="en-US" dirty="0"/>
-              <a:t>The Tech</a:t>
+              <a:t>Tech</a:t>
             </a:r>
           </a:p>
         </p:txBody>
@@ -5717,7 +6721,7 @@
         </p:blipFill>
         <p:spPr>
           <a:xfrm>
-            <a:off x="1012825" y="1479867"/>
+            <a:off x="1786731" y="1860867"/>
             <a:ext cx="2647950" cy="1724025"/>
           </a:xfrm>
           <a:prstGeom prst="rect">
@@ -5777,7 +6781,7 @@
         </p:blipFill>
         <p:spPr>
           <a:xfrm>
-            <a:off x="4959335" y="5562249"/>
+            <a:off x="5810632" y="5502718"/>
             <a:ext cx="2517866" cy="1085182"/>
           </a:xfrm>
           <a:prstGeom prst="rect">
@@ -5867,7 +6871,7 @@
         </p:blipFill>
         <p:spPr>
           <a:xfrm>
-            <a:off x="5761648" y="2721883"/>
+            <a:off x="5118710" y="2721883"/>
             <a:ext cx="1950889" cy="1938696"/>
           </a:xfrm>
           <a:prstGeom prst="rect">
@@ -6018,7 +7022,7 @@
           <a:p>
             <a:r>
               <a:rPr lang="en-US" dirty="0"/>
-              <a:t>The Results</a:t>
+              <a:t>Results</a:t>
             </a:r>
           </a:p>
         </p:txBody>
@@ -6228,10 +7232,10 @@
       </mc:AlternateContent>
       <p:pic>
         <p:nvPicPr>
-          <p:cNvPr id="11" name="Content Placeholder 10">
-            <a:extLst>
-              <a:ext uri="{FF2B5EF4-FFF2-40B4-BE49-F238E27FC236}">
-                <a16:creationId xmlns:a16="http://schemas.microsoft.com/office/drawing/2014/main" id="{1156B1E2-3E05-4655-8D11-76E4DAA892CC}"/>
+          <p:cNvPr id="5" name="Content Placeholder 4">
+            <a:extLst>
+              <a:ext uri="{FF2B5EF4-FFF2-40B4-BE49-F238E27FC236}">
+                <a16:creationId xmlns:a16="http://schemas.microsoft.com/office/drawing/2014/main" id="{E1C6AE28-DAAA-496E-B262-67984DA06266}"/>
               </a:ext>
             </a:extLst>
           </p:cNvPr>
@@ -6250,8 +7254,8 @@
         </p:blipFill>
         <p:spPr>
           <a:xfrm>
-            <a:off x="5836919" y="2114410"/>
-            <a:ext cx="6117943" cy="3773767"/>
+            <a:off x="6172200" y="1825625"/>
+            <a:ext cx="5762804" cy="3952692"/>
           </a:xfrm>
           <a:prstGeom prst="rect">
             <a:avLst/>
@@ -6274,6 +7278,14 @@
 <file path=ppt/slides/slide8.xml><?xml version="1.0" encoding="utf-8"?>
 <p:sld xmlns:a="http://schemas.openxmlformats.org/drawingml/2006/main" xmlns:r="http://schemas.openxmlformats.org/officeDocument/2006/relationships" xmlns:p="http://schemas.openxmlformats.org/presentationml/2006/main">
   <p:cSld>
+    <p:bg>
+      <p:bgPr>
+        <a:solidFill>
+          <a:schemeClr val="bg1"/>
+        </a:solidFill>
+        <a:effectLst/>
+      </p:bgPr>
+    </p:bg>
     <p:spTree>
       <p:nvGrpSpPr>
         <p:cNvPr id="1" name=""/>
@@ -6288,6 +7300,128 @@
           <a:chExt cx="0" cy="0"/>
         </a:xfrm>
       </p:grpSpPr>
+      <p:cxnSp>
+        <p:nvCxnSpPr>
+          <p:cNvPr id="10" name="Straight Connector 9">
+            <a:extLst>
+              <a:ext uri="{FF2B5EF4-FFF2-40B4-BE49-F238E27FC236}">
+                <a16:creationId xmlns:a16="http://schemas.microsoft.com/office/drawing/2014/main" id="{5C05CAAB-DBA2-4548-AD5F-01BB97FBB207}"/>
+              </a:ext>
+              <a:ext uri="{C183D7F6-B498-43B3-948B-1728B52AA6E4}">
+                <adec:decorative xmlns:adec="http://schemas.microsoft.com/office/drawing/2017/decorative" val="1"/>
+              </a:ext>
+            </a:extLst>
+          </p:cNvPr>
+          <p:cNvCxnSpPr>
+            <a:cxnSpLocks noGrp="1" noRot="1" noChangeAspect="1" noMove="1" noResize="1" noEditPoints="1" noAdjustHandles="1" noChangeArrowheads="1" noChangeShapeType="1"/>
+          </p:cNvCxnSpPr>
+          <p:nvPr>
+            <p:extLst>
+              <p:ext uri="{386F3935-93C4-4BCD-93E2-E3B085C9AB24}">
+                <p16:designElem xmlns:p16="http://schemas.microsoft.com/office/powerpoint/2015/main" val="1"/>
+              </p:ext>
+            </p:extLst>
+          </p:nvPr>
+        </p:nvCxnSpPr>
+        <p:spPr>
+          <a:xfrm>
+            <a:off x="715890" y="356812"/>
+            <a:ext cx="0" cy="6492875"/>
+          </a:xfrm>
+          <a:prstGeom prst="line">
+            <a:avLst/>
+          </a:prstGeom>
+          <a:ln w="25400" cap="sq">
+            <a:gradFill flip="none" rotWithShape="1">
+              <a:gsLst>
+                <a:gs pos="0">
+                  <a:schemeClr val="accent2"/>
+                </a:gs>
+                <a:gs pos="100000">
+                  <a:schemeClr val="accent4"/>
+                </a:gs>
+              </a:gsLst>
+              <a:lin ang="16200000" scaled="1"/>
+              <a:tileRect/>
+            </a:gradFill>
+            <a:bevel/>
+          </a:ln>
+        </p:spPr>
+        <p:style>
+          <a:lnRef idx="1">
+            <a:schemeClr val="accent1"/>
+          </a:lnRef>
+          <a:fillRef idx="0">
+            <a:schemeClr val="accent1"/>
+          </a:fillRef>
+          <a:effectRef idx="0">
+            <a:schemeClr val="accent1"/>
+          </a:effectRef>
+          <a:fontRef idx="minor">
+            <a:schemeClr val="tx1"/>
+          </a:fontRef>
+        </p:style>
+      </p:cxnSp>
+      <p:sp useBgFill="1">
+        <p:nvSpPr>
+          <p:cNvPr id="12" name="Rectangle 11">
+            <a:extLst>
+              <a:ext uri="{FF2B5EF4-FFF2-40B4-BE49-F238E27FC236}">
+                <a16:creationId xmlns:a16="http://schemas.microsoft.com/office/drawing/2014/main" id="{8D1AA55E-40D5-461B-A5A8-4AE8AAB71B08}"/>
+              </a:ext>
+              <a:ext uri="{C183D7F6-B498-43B3-948B-1728B52AA6E4}">
+                <adec:decorative xmlns:adec="http://schemas.microsoft.com/office/drawing/2017/decorative" val="1"/>
+              </a:ext>
+            </a:extLst>
+          </p:cNvPr>
+          <p:cNvSpPr>
+            <a:spLocks noGrp="1" noRot="1" noChangeAspect="1" noMove="1" noResize="1" noEditPoints="1" noAdjustHandles="1" noChangeArrowheads="1" noChangeShapeType="1" noTextEdit="1"/>
+          </p:cNvSpPr>
+          <p:nvPr>
+            <p:extLst>
+              <p:ext uri="{386F3935-93C4-4BCD-93E2-E3B085C9AB24}">
+                <p16:designElem xmlns:p16="http://schemas.microsoft.com/office/powerpoint/2015/main" val="1"/>
+              </p:ext>
+            </p:extLst>
+          </p:nvPr>
+        </p:nvSpPr>
+        <p:spPr>
+          <a:xfrm>
+            <a:off x="0" y="0"/>
+            <a:ext cx="12192000" cy="6858000"/>
+          </a:xfrm>
+          <a:prstGeom prst="rect">
+            <a:avLst/>
+          </a:prstGeom>
+          <a:ln>
+            <a:noFill/>
+          </a:ln>
+        </p:spPr>
+        <p:style>
+          <a:lnRef idx="2">
+            <a:schemeClr val="accent1">
+              <a:shade val="50000"/>
+            </a:schemeClr>
+          </a:lnRef>
+          <a:fillRef idx="1">
+            <a:schemeClr val="accent1"/>
+          </a:fillRef>
+          <a:effectRef idx="0">
+            <a:schemeClr val="accent1"/>
+          </a:effectRef>
+          <a:fontRef idx="minor">
+            <a:schemeClr val="lt1"/>
+          </a:fontRef>
+        </p:style>
+        <p:txBody>
+          <a:bodyPr rtlCol="0" anchor="ctr"/>
+          <a:lstStyle/>
+          <a:p>
+            <a:pPr algn="ctr"/>
+            <a:endParaRPr lang="en-US" dirty="0"/>
+          </a:p>
+        </p:txBody>
+      </p:sp>
       <p:sp>
         <p:nvSpPr>
           <p:cNvPr id="2" name="Title 1">
@@ -6304,18 +7438,91 @@
             <p:ph type="title"/>
           </p:nvPr>
         </p:nvSpPr>
-        <p:spPr/>
-        <p:txBody>
-          <a:bodyPr/>
+        <p:spPr>
+          <a:xfrm>
+            <a:off x="588169" y="354124"/>
+            <a:ext cx="6155988" cy="1182927"/>
+          </a:xfrm>
+        </p:spPr>
+        <p:txBody>
+          <a:bodyPr vert="horz" lIns="91440" tIns="45720" rIns="91440" bIns="45720" rtlCol="0" anchor="b">
+            <a:normAutofit/>
+          </a:bodyPr>
           <a:lstStyle/>
           <a:p>
             <a:r>
-              <a:rPr lang="en-US" dirty="0"/>
-              <a:t>The Results</a:t>
-            </a:r>
-          </a:p>
-        </p:txBody>
-      </p:sp>
+              <a:rPr lang="en-US" kern="1200">
+                <a:latin typeface="+mj-lt"/>
+                <a:ea typeface="+mj-ea"/>
+                <a:cs typeface="+mj-cs"/>
+              </a:rPr>
+              <a:t>Results</a:t>
+            </a:r>
+          </a:p>
+        </p:txBody>
+      </p:sp>
+      <p:cxnSp>
+        <p:nvCxnSpPr>
+          <p:cNvPr id="14" name="Straight Connector 13">
+            <a:extLst>
+              <a:ext uri="{FF2B5EF4-FFF2-40B4-BE49-F238E27FC236}">
+                <a16:creationId xmlns:a16="http://schemas.microsoft.com/office/drawing/2014/main" id="{7EB498BD-8089-4626-91EA-4978EBEF535E}"/>
+              </a:ext>
+              <a:ext uri="{C183D7F6-B498-43B3-948B-1728B52AA6E4}">
+                <adec:decorative xmlns:adec="http://schemas.microsoft.com/office/drawing/2017/decorative" val="1"/>
+              </a:ext>
+            </a:extLst>
+          </p:cNvPr>
+          <p:cNvCxnSpPr>
+            <a:cxnSpLocks noGrp="1" noRot="1" noChangeAspect="1" noMove="1" noResize="1" noEditPoints="1" noAdjustHandles="1" noChangeArrowheads="1" noChangeShapeType="1"/>
+          </p:cNvCxnSpPr>
+          <p:nvPr>
+            <p:extLst>
+              <p:ext uri="{386F3935-93C4-4BCD-93E2-E3B085C9AB24}">
+                <p16:designElem xmlns:p16="http://schemas.microsoft.com/office/powerpoint/2015/main" val="1"/>
+              </p:ext>
+            </p:extLst>
+          </p:nvPr>
+        </p:nvCxnSpPr>
+        <p:spPr>
+          <a:xfrm>
+            <a:off x="0" y="806470"/>
+            <a:ext cx="7903723" cy="0"/>
+          </a:xfrm>
+          <a:prstGeom prst="line">
+            <a:avLst/>
+          </a:prstGeom>
+          <a:ln w="25400" cap="sq">
+            <a:gradFill flip="none" rotWithShape="1">
+              <a:gsLst>
+                <a:gs pos="0">
+                  <a:schemeClr val="accent2"/>
+                </a:gs>
+                <a:gs pos="100000">
+                  <a:schemeClr val="accent4"/>
+                </a:gs>
+              </a:gsLst>
+              <a:lin ang="10800000" scaled="1"/>
+              <a:tileRect/>
+            </a:gradFill>
+            <a:bevel/>
+          </a:ln>
+        </p:spPr>
+        <p:style>
+          <a:lnRef idx="1">
+            <a:schemeClr val="accent1"/>
+          </a:lnRef>
+          <a:fillRef idx="0">
+            <a:schemeClr val="accent1"/>
+          </a:fillRef>
+          <a:effectRef idx="0">
+            <a:schemeClr val="accent1"/>
+          </a:effectRef>
+          <a:fontRef idx="minor">
+            <a:schemeClr val="tx1"/>
+          </a:fontRef>
+        </p:style>
+      </p:cxnSp>
       <p:sp>
         <p:nvSpPr>
           <p:cNvPr id="3" name="Content Placeholder 2">
@@ -6332,61 +7539,379 @@
             <p:ph sz="half" idx="1"/>
           </p:nvPr>
         </p:nvSpPr>
-        <p:spPr/>
-        <p:txBody>
-          <a:bodyPr/>
+        <p:spPr>
+          <a:xfrm>
+            <a:off x="648995" y="1966127"/>
+            <a:ext cx="3999663" cy="3344459"/>
+          </a:xfrm>
+        </p:spPr>
+        <p:txBody>
+          <a:bodyPr vert="horz" lIns="91440" tIns="45720" rIns="91440" bIns="45720" rtlCol="0" anchor="t">
+            <a:normAutofit/>
+          </a:bodyPr>
           <a:lstStyle/>
           <a:p>
-            <a:endParaRPr lang="en-US" dirty="0"/>
-          </a:p>
-          <a:p>
-            <a:r>
-              <a:rPr lang="en-US" dirty="0"/>
+            <a:endParaRPr lang="en-US"/>
+          </a:p>
+          <a:p>
+            <a:r>
+              <a:rPr lang="en-US"/>
               <a:t>Welch’s t-test results:</a:t>
             </a:r>
           </a:p>
           <a:p>
             <a:pPr lvl="1"/>
             <a:r>
-              <a:rPr lang="en-US" dirty="0"/>
-              <a:t>P-value: 0.23</a:t>
+              <a:rPr lang="en-US" sz="2800"/>
+              <a:t>P-value: 0.54</a:t>
             </a:r>
           </a:p>
           <a:p>
             <a:pPr lvl="1"/>
             <a:r>
-              <a:rPr lang="el-GR" sz="2800" dirty="0">
-                <a:latin typeface="Cambria Math" panose="02040503050406030204" pitchFamily="18" charset="0"/>
-                <a:ea typeface="Cambria Math" panose="02040503050406030204" pitchFamily="18" charset="0"/>
-              </a:rPr>
-              <a:t>α</a:t>
-            </a:r>
-            <a:r>
-              <a:rPr lang="en-US" dirty="0"/>
-              <a:t>: 0.05</a:t>
-            </a:r>
-          </a:p>
-          <a:p>
-            <a:r>
-              <a:rPr lang="en-US" dirty="0"/>
-              <a:t>FAIL to reject the null Hypothesis </a:t>
+              <a:rPr lang="en-US" sz="2800"/>
+              <a:t>α: 0.05</a:t>
+            </a:r>
+          </a:p>
+          <a:p>
+            <a:r>
+              <a:rPr lang="en-US"/>
+              <a:t>FAIL to reject the null Hypothesis </a:t>
             </a:r>
           </a:p>
           <a:p>
             <a:pPr lvl="1"/>
-            <a:endParaRPr lang="en-US" dirty="0"/>
-          </a:p>
-          <a:p>
-            <a:endParaRPr lang="en-US" dirty="0"/>
+            <a:endParaRPr lang="en-US" sz="1800"/>
+          </a:p>
+          <a:p>
+            <a:endParaRPr lang="en-US" sz="1800"/>
+          </a:p>
+        </p:txBody>
+      </p:sp>
+      <p:sp>
+        <p:nvSpPr>
+          <p:cNvPr id="16" name="Graphic 11">
+            <a:extLst>
+              <a:ext uri="{FF2B5EF4-FFF2-40B4-BE49-F238E27FC236}">
+                <a16:creationId xmlns:a16="http://schemas.microsoft.com/office/drawing/2014/main" id="{6CB927A4-E432-4310-9CD5-E89FF5063179}"/>
+              </a:ext>
+              <a:ext uri="{C183D7F6-B498-43B3-948B-1728B52AA6E4}">
+                <adec:decorative xmlns:adec="http://schemas.microsoft.com/office/drawing/2017/decorative" val="1"/>
+              </a:ext>
+            </a:extLst>
+          </p:cNvPr>
+          <p:cNvSpPr>
+            <a:spLocks noGrp="1" noRot="1" noChangeAspect="1" noMove="1" noResize="1" noEditPoints="1" noAdjustHandles="1" noChangeArrowheads="1" noChangeShapeType="1" noTextEdit="1"/>
+          </p:cNvSpPr>
+          <p:nvPr>
+            <p:extLst>
+              <p:ext uri="{386F3935-93C4-4BCD-93E2-E3B085C9AB24}">
+                <p16:designElem xmlns:p16="http://schemas.microsoft.com/office/powerpoint/2015/main" val="1"/>
+              </p:ext>
+            </p:extLst>
+          </p:nvPr>
+        </p:nvSpPr>
+        <p:spPr>
+          <a:xfrm>
+            <a:off x="10924552" y="1899284"/>
+            <a:ext cx="139039" cy="139039"/>
+          </a:xfrm>
+          <a:custGeom>
+            <a:avLst/>
+            <a:gdLst>
+              <a:gd name="connsiteX0" fmla="*/ 129602 w 139039"/>
+              <a:gd name="connsiteY0" fmla="*/ 60082 h 139039"/>
+              <a:gd name="connsiteX1" fmla="*/ 78957 w 139039"/>
+              <a:gd name="connsiteY1" fmla="*/ 60082 h 139039"/>
+              <a:gd name="connsiteX2" fmla="*/ 78957 w 139039"/>
+              <a:gd name="connsiteY2" fmla="*/ 9437 h 139039"/>
+              <a:gd name="connsiteX3" fmla="*/ 69520 w 139039"/>
+              <a:gd name="connsiteY3" fmla="*/ 0 h 139039"/>
+              <a:gd name="connsiteX4" fmla="*/ 60082 w 139039"/>
+              <a:gd name="connsiteY4" fmla="*/ 9437 h 139039"/>
+              <a:gd name="connsiteX5" fmla="*/ 60082 w 139039"/>
+              <a:gd name="connsiteY5" fmla="*/ 60082 h 139039"/>
+              <a:gd name="connsiteX6" fmla="*/ 9437 w 139039"/>
+              <a:gd name="connsiteY6" fmla="*/ 60082 h 139039"/>
+              <a:gd name="connsiteX7" fmla="*/ 0 w 139039"/>
+              <a:gd name="connsiteY7" fmla="*/ 69520 h 139039"/>
+              <a:gd name="connsiteX8" fmla="*/ 9437 w 139039"/>
+              <a:gd name="connsiteY8" fmla="*/ 78957 h 139039"/>
+              <a:gd name="connsiteX9" fmla="*/ 60082 w 139039"/>
+              <a:gd name="connsiteY9" fmla="*/ 78957 h 139039"/>
+              <a:gd name="connsiteX10" fmla="*/ 60082 w 139039"/>
+              <a:gd name="connsiteY10" fmla="*/ 129602 h 139039"/>
+              <a:gd name="connsiteX11" fmla="*/ 69520 w 139039"/>
+              <a:gd name="connsiteY11" fmla="*/ 139039 h 139039"/>
+              <a:gd name="connsiteX12" fmla="*/ 78957 w 139039"/>
+              <a:gd name="connsiteY12" fmla="*/ 129602 h 139039"/>
+              <a:gd name="connsiteX13" fmla="*/ 78957 w 139039"/>
+              <a:gd name="connsiteY13" fmla="*/ 78957 h 139039"/>
+              <a:gd name="connsiteX14" fmla="*/ 129602 w 139039"/>
+              <a:gd name="connsiteY14" fmla="*/ 78957 h 139039"/>
+              <a:gd name="connsiteX15" fmla="*/ 139039 w 139039"/>
+              <a:gd name="connsiteY15" fmla="*/ 69520 h 139039"/>
+              <a:gd name="connsiteX16" fmla="*/ 129602 w 139039"/>
+              <a:gd name="connsiteY16" fmla="*/ 60082 h 139039"/>
+            </a:gdLst>
+            <a:ahLst/>
+            <a:cxnLst>
+              <a:cxn ang="0">
+                <a:pos x="connsiteX0" y="connsiteY0"/>
+              </a:cxn>
+              <a:cxn ang="0">
+                <a:pos x="connsiteX1" y="connsiteY1"/>
+              </a:cxn>
+              <a:cxn ang="0">
+                <a:pos x="connsiteX2" y="connsiteY2"/>
+              </a:cxn>
+              <a:cxn ang="0">
+                <a:pos x="connsiteX3" y="connsiteY3"/>
+              </a:cxn>
+              <a:cxn ang="0">
+                <a:pos x="connsiteX4" y="connsiteY4"/>
+              </a:cxn>
+              <a:cxn ang="0">
+                <a:pos x="connsiteX5" y="connsiteY5"/>
+              </a:cxn>
+              <a:cxn ang="0">
+                <a:pos x="connsiteX6" y="connsiteY6"/>
+              </a:cxn>
+              <a:cxn ang="0">
+                <a:pos x="connsiteX7" y="connsiteY7"/>
+              </a:cxn>
+              <a:cxn ang="0">
+                <a:pos x="connsiteX8" y="connsiteY8"/>
+              </a:cxn>
+              <a:cxn ang="0">
+                <a:pos x="connsiteX9" y="connsiteY9"/>
+              </a:cxn>
+              <a:cxn ang="0">
+                <a:pos x="connsiteX10" y="connsiteY10"/>
+              </a:cxn>
+              <a:cxn ang="0">
+                <a:pos x="connsiteX11" y="connsiteY11"/>
+              </a:cxn>
+              <a:cxn ang="0">
+                <a:pos x="connsiteX12" y="connsiteY12"/>
+              </a:cxn>
+              <a:cxn ang="0">
+                <a:pos x="connsiteX13" y="connsiteY13"/>
+              </a:cxn>
+              <a:cxn ang="0">
+                <a:pos x="connsiteX14" y="connsiteY14"/>
+              </a:cxn>
+              <a:cxn ang="0">
+                <a:pos x="connsiteX15" y="connsiteY15"/>
+              </a:cxn>
+              <a:cxn ang="0">
+                <a:pos x="connsiteX16" y="connsiteY16"/>
+              </a:cxn>
+            </a:cxnLst>
+            <a:rect l="l" t="t" r="r" b="b"/>
+            <a:pathLst>
+              <a:path w="139039" h="139039">
+                <a:moveTo>
+                  <a:pt x="129602" y="60082"/>
+                </a:moveTo>
+                <a:lnTo>
+                  <a:pt x="78957" y="60082"/>
+                </a:lnTo>
+                <a:lnTo>
+                  <a:pt x="78957" y="9437"/>
+                </a:lnTo>
+                <a:cubicBezTo>
+                  <a:pt x="78957" y="4225"/>
+                  <a:pt x="74731" y="0"/>
+                  <a:pt x="69520" y="0"/>
+                </a:cubicBezTo>
+                <a:cubicBezTo>
+                  <a:pt x="64308" y="0"/>
+                  <a:pt x="60082" y="4225"/>
+                  <a:pt x="60082" y="9437"/>
+                </a:cubicBezTo>
+                <a:lnTo>
+                  <a:pt x="60082" y="60082"/>
+                </a:lnTo>
+                <a:lnTo>
+                  <a:pt x="9437" y="60082"/>
+                </a:lnTo>
+                <a:cubicBezTo>
+                  <a:pt x="4225" y="60082"/>
+                  <a:pt x="0" y="64308"/>
+                  <a:pt x="0" y="69520"/>
+                </a:cubicBezTo>
+                <a:cubicBezTo>
+                  <a:pt x="0" y="74731"/>
+                  <a:pt x="4225" y="78957"/>
+                  <a:pt x="9437" y="78957"/>
+                </a:cubicBezTo>
+                <a:lnTo>
+                  <a:pt x="60082" y="78957"/>
+                </a:lnTo>
+                <a:lnTo>
+                  <a:pt x="60082" y="129602"/>
+                </a:lnTo>
+                <a:cubicBezTo>
+                  <a:pt x="60082" y="134814"/>
+                  <a:pt x="64308" y="139039"/>
+                  <a:pt x="69520" y="139039"/>
+                </a:cubicBezTo>
+                <a:cubicBezTo>
+                  <a:pt x="74731" y="139039"/>
+                  <a:pt x="78957" y="134814"/>
+                  <a:pt x="78957" y="129602"/>
+                </a:cubicBezTo>
+                <a:lnTo>
+                  <a:pt x="78957" y="78957"/>
+                </a:lnTo>
+                <a:lnTo>
+                  <a:pt x="129602" y="78957"/>
+                </a:lnTo>
+                <a:cubicBezTo>
+                  <a:pt x="134814" y="78957"/>
+                  <a:pt x="139039" y="74731"/>
+                  <a:pt x="139039" y="69520"/>
+                </a:cubicBezTo>
+                <a:cubicBezTo>
+                  <a:pt x="139039" y="64308"/>
+                  <a:pt x="134814" y="60082"/>
+                  <a:pt x="129602" y="60082"/>
+                </a:cubicBezTo>
+                <a:close/>
+              </a:path>
+            </a:pathLst>
+          </a:custGeom>
+          <a:solidFill>
+            <a:schemeClr val="accent2"/>
+          </a:solidFill>
+          <a:ln w="603" cap="flat">
+            <a:noFill/>
+            <a:prstDash val="solid"/>
+            <a:miter/>
+          </a:ln>
+        </p:spPr>
+        <p:txBody>
+          <a:bodyPr rtlCol="0" anchor="ctr"/>
+          <a:lstStyle/>
+          <a:p>
+            <a:endParaRPr lang="en-US"/>
+          </a:p>
+        </p:txBody>
+      </p:sp>
+      <p:sp>
+        <p:nvSpPr>
+          <p:cNvPr id="18" name="Graphic 10">
+            <a:extLst>
+              <a:ext uri="{FF2B5EF4-FFF2-40B4-BE49-F238E27FC236}">
+                <a16:creationId xmlns:a16="http://schemas.microsoft.com/office/drawing/2014/main" id="{E3020543-B24B-4EC4-8FFC-8DD88EEA91A8}"/>
+              </a:ext>
+              <a:ext uri="{C183D7F6-B498-43B3-948B-1728B52AA6E4}">
+                <adec:decorative xmlns:adec="http://schemas.microsoft.com/office/drawing/2017/decorative" val="1"/>
+              </a:ext>
+            </a:extLst>
+          </p:cNvPr>
+          <p:cNvSpPr>
+            <a:spLocks noGrp="1" noRot="1" noChangeAspect="1" noMove="1" noResize="1" noEditPoints="1" noAdjustHandles="1" noChangeArrowheads="1" noChangeShapeType="1" noTextEdit="1"/>
+          </p:cNvSpPr>
+          <p:nvPr>
+            <p:extLst>
+              <p:ext uri="{386F3935-93C4-4BCD-93E2-E3B085C9AB24}">
+                <p16:designElem xmlns:p16="http://schemas.microsoft.com/office/powerpoint/2015/main" val="1"/>
+              </p:ext>
+            </p:extLst>
+          </p:nvPr>
+        </p:nvSpPr>
+        <p:spPr>
+          <a:xfrm>
+            <a:off x="11236862" y="2189928"/>
+            <a:ext cx="91138" cy="91138"/>
+          </a:xfrm>
+          <a:custGeom>
+            <a:avLst/>
+            <a:gdLst>
+              <a:gd name="connsiteX0" fmla="*/ 91138 w 91138"/>
+              <a:gd name="connsiteY0" fmla="*/ 45569 h 91138"/>
+              <a:gd name="connsiteX1" fmla="*/ 45569 w 91138"/>
+              <a:gd name="connsiteY1" fmla="*/ 91138 h 91138"/>
+              <a:gd name="connsiteX2" fmla="*/ 0 w 91138"/>
+              <a:gd name="connsiteY2" fmla="*/ 45569 h 91138"/>
+              <a:gd name="connsiteX3" fmla="*/ 45569 w 91138"/>
+              <a:gd name="connsiteY3" fmla="*/ 0 h 91138"/>
+              <a:gd name="connsiteX4" fmla="*/ 91138 w 91138"/>
+              <a:gd name="connsiteY4" fmla="*/ 45569 h 91138"/>
+            </a:gdLst>
+            <a:ahLst/>
+            <a:cxnLst>
+              <a:cxn ang="0">
+                <a:pos x="connsiteX0" y="connsiteY0"/>
+              </a:cxn>
+              <a:cxn ang="0">
+                <a:pos x="connsiteX1" y="connsiteY1"/>
+              </a:cxn>
+              <a:cxn ang="0">
+                <a:pos x="connsiteX2" y="connsiteY2"/>
+              </a:cxn>
+              <a:cxn ang="0">
+                <a:pos x="connsiteX3" y="connsiteY3"/>
+              </a:cxn>
+              <a:cxn ang="0">
+                <a:pos x="connsiteX4" y="connsiteY4"/>
+              </a:cxn>
+            </a:cxnLst>
+            <a:rect l="l" t="t" r="r" b="b"/>
+            <a:pathLst>
+              <a:path w="91138" h="91138">
+                <a:moveTo>
+                  <a:pt x="91138" y="45569"/>
+                </a:moveTo>
+                <a:cubicBezTo>
+                  <a:pt x="91138" y="70736"/>
+                  <a:pt x="70736" y="91138"/>
+                  <a:pt x="45569" y="91138"/>
+                </a:cubicBezTo>
+                <a:cubicBezTo>
+                  <a:pt x="20402" y="91138"/>
+                  <a:pt x="0" y="70736"/>
+                  <a:pt x="0" y="45569"/>
+                </a:cubicBezTo>
+                <a:cubicBezTo>
+                  <a:pt x="0" y="20402"/>
+                  <a:pt x="20402" y="0"/>
+                  <a:pt x="45569" y="0"/>
+                </a:cubicBezTo>
+                <a:cubicBezTo>
+                  <a:pt x="70736" y="0"/>
+                  <a:pt x="91138" y="20402"/>
+                  <a:pt x="91138" y="45569"/>
+                </a:cubicBezTo>
+                <a:close/>
+              </a:path>
+            </a:pathLst>
+          </a:custGeom>
+          <a:solidFill>
+            <a:schemeClr val="accent2"/>
+          </a:solidFill>
+          <a:ln w="422" cap="flat">
+            <a:noFill/>
+            <a:prstDash val="solid"/>
+            <a:miter/>
+          </a:ln>
+        </p:spPr>
+        <p:txBody>
+          <a:bodyPr rtlCol="0" anchor="ctr"/>
+          <a:lstStyle/>
+          <a:p>
+            <a:endParaRPr lang="en-US"/>
           </a:p>
         </p:txBody>
       </p:sp>
       <p:pic>
         <p:nvPicPr>
-          <p:cNvPr id="5" name="Content Placeholder 4">
-            <a:extLst>
-              <a:ext uri="{FF2B5EF4-FFF2-40B4-BE49-F238E27FC236}">
-                <a16:creationId xmlns:a16="http://schemas.microsoft.com/office/drawing/2014/main" id="{D6ADFFAC-6CF9-4907-940D-40A456FE2FA5}"/>
+          <p:cNvPr id="7" name="Content Placeholder 6">
+            <a:extLst>
+              <a:ext uri="{FF2B5EF4-FFF2-40B4-BE49-F238E27FC236}">
+                <a16:creationId xmlns:a16="http://schemas.microsoft.com/office/drawing/2014/main" id="{F935B890-5A81-493B-8AD9-D2F0592A308C}"/>
               </a:ext>
             </a:extLst>
           </p:cNvPr>
@@ -6405,8 +7930,8 @@
         </p:blipFill>
         <p:spPr>
           <a:xfrm>
-            <a:off x="6172200" y="2234839"/>
-            <a:ext cx="5181600" cy="3532909"/>
+            <a:off x="5239329" y="1336390"/>
+            <a:ext cx="5985883" cy="4527041"/>
           </a:xfrm>
           <a:prstGeom prst="rect">
             <a:avLst/>
@@ -6429,6 +7954,14 @@
 <file path=ppt/slides/slide9.xml><?xml version="1.0" encoding="utf-8"?>
 <p:sld xmlns:a="http://schemas.openxmlformats.org/drawingml/2006/main" xmlns:r="http://schemas.openxmlformats.org/officeDocument/2006/relationships" xmlns:p="http://schemas.openxmlformats.org/presentationml/2006/main">
   <p:cSld>
+    <p:bg>
+      <p:bgPr>
+        <a:solidFill>
+          <a:schemeClr val="bg1"/>
+        </a:solidFill>
+        <a:effectLst/>
+      </p:bgPr>
+    </p:bg>
     <p:spTree>
       <p:nvGrpSpPr>
         <p:cNvPr id="1" name=""/>
@@ -6443,6 +7976,128 @@
           <a:chExt cx="0" cy="0"/>
         </a:xfrm>
       </p:grpSpPr>
+      <p:cxnSp>
+        <p:nvCxnSpPr>
+          <p:cNvPr id="25" name="Straight Connector 24">
+            <a:extLst>
+              <a:ext uri="{FF2B5EF4-FFF2-40B4-BE49-F238E27FC236}">
+                <a16:creationId xmlns:a16="http://schemas.microsoft.com/office/drawing/2014/main" id="{5C05CAAB-DBA2-4548-AD5F-01BB97FBB207}"/>
+              </a:ext>
+              <a:ext uri="{C183D7F6-B498-43B3-948B-1728B52AA6E4}">
+                <adec:decorative xmlns:adec="http://schemas.microsoft.com/office/drawing/2017/decorative" val="1"/>
+              </a:ext>
+            </a:extLst>
+          </p:cNvPr>
+          <p:cNvCxnSpPr>
+            <a:cxnSpLocks noGrp="1" noRot="1" noChangeAspect="1" noMove="1" noResize="1" noEditPoints="1" noAdjustHandles="1" noChangeArrowheads="1" noChangeShapeType="1"/>
+          </p:cNvCxnSpPr>
+          <p:nvPr>
+            <p:extLst>
+              <p:ext uri="{386F3935-93C4-4BCD-93E2-E3B085C9AB24}">
+                <p16:designElem xmlns:p16="http://schemas.microsoft.com/office/powerpoint/2015/main" val="1"/>
+              </p:ext>
+            </p:extLst>
+          </p:nvPr>
+        </p:nvCxnSpPr>
+        <p:spPr>
+          <a:xfrm>
+            <a:off x="715890" y="356812"/>
+            <a:ext cx="0" cy="6492875"/>
+          </a:xfrm>
+          <a:prstGeom prst="line">
+            <a:avLst/>
+          </a:prstGeom>
+          <a:ln w="25400" cap="sq">
+            <a:gradFill flip="none" rotWithShape="1">
+              <a:gsLst>
+                <a:gs pos="0">
+                  <a:schemeClr val="accent2"/>
+                </a:gs>
+                <a:gs pos="100000">
+                  <a:schemeClr val="accent4"/>
+                </a:gs>
+              </a:gsLst>
+              <a:lin ang="16200000" scaled="1"/>
+              <a:tileRect/>
+            </a:gradFill>
+            <a:bevel/>
+          </a:ln>
+        </p:spPr>
+        <p:style>
+          <a:lnRef idx="1">
+            <a:schemeClr val="accent1"/>
+          </a:lnRef>
+          <a:fillRef idx="0">
+            <a:schemeClr val="accent1"/>
+          </a:fillRef>
+          <a:effectRef idx="0">
+            <a:schemeClr val="accent1"/>
+          </a:effectRef>
+          <a:fontRef idx="minor">
+            <a:schemeClr val="tx1"/>
+          </a:fontRef>
+        </p:style>
+      </p:cxnSp>
+      <p:sp useBgFill="1">
+        <p:nvSpPr>
+          <p:cNvPr id="27" name="Rectangle 26">
+            <a:extLst>
+              <a:ext uri="{FF2B5EF4-FFF2-40B4-BE49-F238E27FC236}">
+                <a16:creationId xmlns:a16="http://schemas.microsoft.com/office/drawing/2014/main" id="{8D1AA55E-40D5-461B-A5A8-4AE8AAB71B08}"/>
+              </a:ext>
+              <a:ext uri="{C183D7F6-B498-43B3-948B-1728B52AA6E4}">
+                <adec:decorative xmlns:adec="http://schemas.microsoft.com/office/drawing/2017/decorative" val="1"/>
+              </a:ext>
+            </a:extLst>
+          </p:cNvPr>
+          <p:cNvSpPr>
+            <a:spLocks noGrp="1" noRot="1" noChangeAspect="1" noMove="1" noResize="1" noEditPoints="1" noAdjustHandles="1" noChangeArrowheads="1" noChangeShapeType="1" noTextEdit="1"/>
+          </p:cNvSpPr>
+          <p:nvPr>
+            <p:extLst>
+              <p:ext uri="{386F3935-93C4-4BCD-93E2-E3B085C9AB24}">
+                <p16:designElem xmlns:p16="http://schemas.microsoft.com/office/powerpoint/2015/main" val="1"/>
+              </p:ext>
+            </p:extLst>
+          </p:nvPr>
+        </p:nvSpPr>
+        <p:spPr>
+          <a:xfrm>
+            <a:off x="0" y="0"/>
+            <a:ext cx="12192000" cy="6858000"/>
+          </a:xfrm>
+          <a:prstGeom prst="rect">
+            <a:avLst/>
+          </a:prstGeom>
+          <a:ln>
+            <a:noFill/>
+          </a:ln>
+        </p:spPr>
+        <p:style>
+          <a:lnRef idx="2">
+            <a:schemeClr val="accent1">
+              <a:shade val="50000"/>
+            </a:schemeClr>
+          </a:lnRef>
+          <a:fillRef idx="1">
+            <a:schemeClr val="accent1"/>
+          </a:fillRef>
+          <a:effectRef idx="0">
+            <a:schemeClr val="accent1"/>
+          </a:effectRef>
+          <a:fontRef idx="minor">
+            <a:schemeClr val="lt1"/>
+          </a:fontRef>
+        </p:style>
+        <p:txBody>
+          <a:bodyPr rtlCol="0" anchor="ctr"/>
+          <a:lstStyle/>
+          <a:p>
+            <a:pPr algn="ctr"/>
+            <a:endParaRPr lang="en-US" dirty="0"/>
+          </a:p>
+        </p:txBody>
+      </p:sp>
       <p:sp>
         <p:nvSpPr>
           <p:cNvPr id="2" name="Title 1">
@@ -6459,33 +8114,460 @@
             <p:ph type="title"/>
           </p:nvPr>
         </p:nvSpPr>
-        <p:spPr/>
-        <p:txBody>
-          <a:bodyPr/>
+        <p:spPr>
+          <a:xfrm>
+            <a:off x="132164" y="407985"/>
+            <a:ext cx="6155988" cy="1182927"/>
+          </a:xfrm>
+        </p:spPr>
+        <p:txBody>
+          <a:bodyPr vert="horz" lIns="91440" tIns="45720" rIns="91440" bIns="45720" rtlCol="0" anchor="b">
+            <a:normAutofit/>
+          </a:bodyPr>
           <a:lstStyle/>
           <a:p>
             <a:r>
-              <a:rPr lang="en-US" dirty="0"/>
-              <a:t>The Perspective</a:t>
-            </a:r>
+              <a:rPr lang="en-US" kern="1200">
+                <a:latin typeface="+mj-lt"/>
+                <a:ea typeface="+mj-ea"/>
+                <a:cs typeface="+mj-cs"/>
+              </a:rPr>
+              <a:t>Perspective</a:t>
+            </a:r>
+          </a:p>
+        </p:txBody>
+      </p:sp>
+      <p:cxnSp>
+        <p:nvCxnSpPr>
+          <p:cNvPr id="29" name="Straight Connector 28">
+            <a:extLst>
+              <a:ext uri="{FF2B5EF4-FFF2-40B4-BE49-F238E27FC236}">
+                <a16:creationId xmlns:a16="http://schemas.microsoft.com/office/drawing/2014/main" id="{7EB498BD-8089-4626-91EA-4978EBEF535E}"/>
+              </a:ext>
+              <a:ext uri="{C183D7F6-B498-43B3-948B-1728B52AA6E4}">
+                <adec:decorative xmlns:adec="http://schemas.microsoft.com/office/drawing/2017/decorative" val="1"/>
+              </a:ext>
+            </a:extLst>
+          </p:cNvPr>
+          <p:cNvCxnSpPr>
+            <a:cxnSpLocks noGrp="1" noRot="1" noChangeAspect="1" noMove="1" noResize="1" noEditPoints="1" noAdjustHandles="1" noChangeArrowheads="1" noChangeShapeType="1"/>
+          </p:cNvCxnSpPr>
+          <p:nvPr>
+            <p:extLst>
+              <p:ext uri="{386F3935-93C4-4BCD-93E2-E3B085C9AB24}">
+                <p16:designElem xmlns:p16="http://schemas.microsoft.com/office/powerpoint/2015/main" val="1"/>
+              </p:ext>
+            </p:extLst>
+          </p:nvPr>
+        </p:nvCxnSpPr>
+        <p:spPr>
+          <a:xfrm>
+            <a:off x="0" y="806470"/>
+            <a:ext cx="7903723" cy="0"/>
+          </a:xfrm>
+          <a:prstGeom prst="line">
+            <a:avLst/>
+          </a:prstGeom>
+          <a:ln w="25400" cap="sq">
+            <a:gradFill flip="none" rotWithShape="1">
+              <a:gsLst>
+                <a:gs pos="0">
+                  <a:schemeClr val="accent2"/>
+                </a:gs>
+                <a:gs pos="100000">
+                  <a:schemeClr val="accent4"/>
+                </a:gs>
+              </a:gsLst>
+              <a:lin ang="10800000" scaled="1"/>
+              <a:tileRect/>
+            </a:gradFill>
+            <a:bevel/>
+          </a:ln>
+        </p:spPr>
+        <p:style>
+          <a:lnRef idx="1">
+            <a:schemeClr val="accent1"/>
+          </a:lnRef>
+          <a:fillRef idx="0">
+            <a:schemeClr val="accent1"/>
+          </a:fillRef>
+          <a:effectRef idx="0">
+            <a:schemeClr val="accent1"/>
+          </a:effectRef>
+          <a:fontRef idx="minor">
+            <a:schemeClr val="tx1"/>
+          </a:fontRef>
+        </p:style>
+      </p:cxnSp>
+      <p:sp>
+        <p:nvSpPr>
+          <p:cNvPr id="5" name="Content Placeholder 4">
+            <a:extLst>
+              <a:ext uri="{FF2B5EF4-FFF2-40B4-BE49-F238E27FC236}">
+                <a16:creationId xmlns:a16="http://schemas.microsoft.com/office/drawing/2014/main" id="{88997452-7DEA-4693-AC30-9CB31D31C3CE}"/>
+              </a:ext>
+            </a:extLst>
+          </p:cNvPr>
+          <p:cNvSpPr>
+            <a:spLocks noGrp="1"/>
+          </p:cNvSpPr>
+          <p:nvPr>
+            <p:ph sz="half" idx="2"/>
+          </p:nvPr>
+        </p:nvSpPr>
+        <p:spPr>
+          <a:xfrm>
+            <a:off x="534377" y="2586126"/>
+            <a:ext cx="3636143" cy="1762990"/>
+          </a:xfrm>
+        </p:spPr>
+        <p:txBody>
+          <a:bodyPr vert="horz" lIns="91440" tIns="45720" rIns="91440" bIns="45720" rtlCol="0" anchor="t">
+            <a:noAutofit/>
+          </a:bodyPr>
+          <a:lstStyle/>
+          <a:p>
+            <a:r>
+              <a:rPr lang="en-US"/>
+              <a:t>The cost to bring to market drives the need to flare</a:t>
+            </a:r>
+          </a:p>
+          <a:p>
+            <a:endParaRPr lang="en-US" sz="1800" dirty="0"/>
+          </a:p>
+        </p:txBody>
+      </p:sp>
+      <p:sp>
+        <p:nvSpPr>
+          <p:cNvPr id="31" name="Graphic 11">
+            <a:extLst>
+              <a:ext uri="{FF2B5EF4-FFF2-40B4-BE49-F238E27FC236}">
+                <a16:creationId xmlns:a16="http://schemas.microsoft.com/office/drawing/2014/main" id="{6CB927A4-E432-4310-9CD5-E89FF5063179}"/>
+              </a:ext>
+              <a:ext uri="{C183D7F6-B498-43B3-948B-1728B52AA6E4}">
+                <adec:decorative xmlns:adec="http://schemas.microsoft.com/office/drawing/2017/decorative" val="1"/>
+              </a:ext>
+            </a:extLst>
+          </p:cNvPr>
+          <p:cNvSpPr>
+            <a:spLocks noGrp="1" noRot="1" noChangeAspect="1" noMove="1" noResize="1" noEditPoints="1" noAdjustHandles="1" noChangeArrowheads="1" noChangeShapeType="1" noTextEdit="1"/>
+          </p:cNvSpPr>
+          <p:nvPr>
+            <p:extLst>
+              <p:ext uri="{386F3935-93C4-4BCD-93E2-E3B085C9AB24}">
+                <p16:designElem xmlns:p16="http://schemas.microsoft.com/office/powerpoint/2015/main" val="1"/>
+              </p:ext>
+            </p:extLst>
+          </p:nvPr>
+        </p:nvSpPr>
+        <p:spPr>
+          <a:xfrm>
+            <a:off x="10924552" y="1899284"/>
+            <a:ext cx="139039" cy="139039"/>
+          </a:xfrm>
+          <a:custGeom>
+            <a:avLst/>
+            <a:gdLst>
+              <a:gd name="connsiteX0" fmla="*/ 129602 w 139039"/>
+              <a:gd name="connsiteY0" fmla="*/ 60082 h 139039"/>
+              <a:gd name="connsiteX1" fmla="*/ 78957 w 139039"/>
+              <a:gd name="connsiteY1" fmla="*/ 60082 h 139039"/>
+              <a:gd name="connsiteX2" fmla="*/ 78957 w 139039"/>
+              <a:gd name="connsiteY2" fmla="*/ 9437 h 139039"/>
+              <a:gd name="connsiteX3" fmla="*/ 69520 w 139039"/>
+              <a:gd name="connsiteY3" fmla="*/ 0 h 139039"/>
+              <a:gd name="connsiteX4" fmla="*/ 60082 w 139039"/>
+              <a:gd name="connsiteY4" fmla="*/ 9437 h 139039"/>
+              <a:gd name="connsiteX5" fmla="*/ 60082 w 139039"/>
+              <a:gd name="connsiteY5" fmla="*/ 60082 h 139039"/>
+              <a:gd name="connsiteX6" fmla="*/ 9437 w 139039"/>
+              <a:gd name="connsiteY6" fmla="*/ 60082 h 139039"/>
+              <a:gd name="connsiteX7" fmla="*/ 0 w 139039"/>
+              <a:gd name="connsiteY7" fmla="*/ 69520 h 139039"/>
+              <a:gd name="connsiteX8" fmla="*/ 9437 w 139039"/>
+              <a:gd name="connsiteY8" fmla="*/ 78957 h 139039"/>
+              <a:gd name="connsiteX9" fmla="*/ 60082 w 139039"/>
+              <a:gd name="connsiteY9" fmla="*/ 78957 h 139039"/>
+              <a:gd name="connsiteX10" fmla="*/ 60082 w 139039"/>
+              <a:gd name="connsiteY10" fmla="*/ 129602 h 139039"/>
+              <a:gd name="connsiteX11" fmla="*/ 69520 w 139039"/>
+              <a:gd name="connsiteY11" fmla="*/ 139039 h 139039"/>
+              <a:gd name="connsiteX12" fmla="*/ 78957 w 139039"/>
+              <a:gd name="connsiteY12" fmla="*/ 129602 h 139039"/>
+              <a:gd name="connsiteX13" fmla="*/ 78957 w 139039"/>
+              <a:gd name="connsiteY13" fmla="*/ 78957 h 139039"/>
+              <a:gd name="connsiteX14" fmla="*/ 129602 w 139039"/>
+              <a:gd name="connsiteY14" fmla="*/ 78957 h 139039"/>
+              <a:gd name="connsiteX15" fmla="*/ 139039 w 139039"/>
+              <a:gd name="connsiteY15" fmla="*/ 69520 h 139039"/>
+              <a:gd name="connsiteX16" fmla="*/ 129602 w 139039"/>
+              <a:gd name="connsiteY16" fmla="*/ 60082 h 139039"/>
+            </a:gdLst>
+            <a:ahLst/>
+            <a:cxnLst>
+              <a:cxn ang="0">
+                <a:pos x="connsiteX0" y="connsiteY0"/>
+              </a:cxn>
+              <a:cxn ang="0">
+                <a:pos x="connsiteX1" y="connsiteY1"/>
+              </a:cxn>
+              <a:cxn ang="0">
+                <a:pos x="connsiteX2" y="connsiteY2"/>
+              </a:cxn>
+              <a:cxn ang="0">
+                <a:pos x="connsiteX3" y="connsiteY3"/>
+              </a:cxn>
+              <a:cxn ang="0">
+                <a:pos x="connsiteX4" y="connsiteY4"/>
+              </a:cxn>
+              <a:cxn ang="0">
+                <a:pos x="connsiteX5" y="connsiteY5"/>
+              </a:cxn>
+              <a:cxn ang="0">
+                <a:pos x="connsiteX6" y="connsiteY6"/>
+              </a:cxn>
+              <a:cxn ang="0">
+                <a:pos x="connsiteX7" y="connsiteY7"/>
+              </a:cxn>
+              <a:cxn ang="0">
+                <a:pos x="connsiteX8" y="connsiteY8"/>
+              </a:cxn>
+              <a:cxn ang="0">
+                <a:pos x="connsiteX9" y="connsiteY9"/>
+              </a:cxn>
+              <a:cxn ang="0">
+                <a:pos x="connsiteX10" y="connsiteY10"/>
+              </a:cxn>
+              <a:cxn ang="0">
+                <a:pos x="connsiteX11" y="connsiteY11"/>
+              </a:cxn>
+              <a:cxn ang="0">
+                <a:pos x="connsiteX12" y="connsiteY12"/>
+              </a:cxn>
+              <a:cxn ang="0">
+                <a:pos x="connsiteX13" y="connsiteY13"/>
+              </a:cxn>
+              <a:cxn ang="0">
+                <a:pos x="connsiteX14" y="connsiteY14"/>
+              </a:cxn>
+              <a:cxn ang="0">
+                <a:pos x="connsiteX15" y="connsiteY15"/>
+              </a:cxn>
+              <a:cxn ang="0">
+                <a:pos x="connsiteX16" y="connsiteY16"/>
+              </a:cxn>
+            </a:cxnLst>
+            <a:rect l="l" t="t" r="r" b="b"/>
+            <a:pathLst>
+              <a:path w="139039" h="139039">
+                <a:moveTo>
+                  <a:pt x="129602" y="60082"/>
+                </a:moveTo>
+                <a:lnTo>
+                  <a:pt x="78957" y="60082"/>
+                </a:lnTo>
+                <a:lnTo>
+                  <a:pt x="78957" y="9437"/>
+                </a:lnTo>
+                <a:cubicBezTo>
+                  <a:pt x="78957" y="4225"/>
+                  <a:pt x="74731" y="0"/>
+                  <a:pt x="69520" y="0"/>
+                </a:cubicBezTo>
+                <a:cubicBezTo>
+                  <a:pt x="64308" y="0"/>
+                  <a:pt x="60082" y="4225"/>
+                  <a:pt x="60082" y="9437"/>
+                </a:cubicBezTo>
+                <a:lnTo>
+                  <a:pt x="60082" y="60082"/>
+                </a:lnTo>
+                <a:lnTo>
+                  <a:pt x="9437" y="60082"/>
+                </a:lnTo>
+                <a:cubicBezTo>
+                  <a:pt x="4225" y="60082"/>
+                  <a:pt x="0" y="64308"/>
+                  <a:pt x="0" y="69520"/>
+                </a:cubicBezTo>
+                <a:cubicBezTo>
+                  <a:pt x="0" y="74731"/>
+                  <a:pt x="4225" y="78957"/>
+                  <a:pt x="9437" y="78957"/>
+                </a:cubicBezTo>
+                <a:lnTo>
+                  <a:pt x="60082" y="78957"/>
+                </a:lnTo>
+                <a:lnTo>
+                  <a:pt x="60082" y="129602"/>
+                </a:lnTo>
+                <a:cubicBezTo>
+                  <a:pt x="60082" y="134814"/>
+                  <a:pt x="64308" y="139039"/>
+                  <a:pt x="69520" y="139039"/>
+                </a:cubicBezTo>
+                <a:cubicBezTo>
+                  <a:pt x="74731" y="139039"/>
+                  <a:pt x="78957" y="134814"/>
+                  <a:pt x="78957" y="129602"/>
+                </a:cubicBezTo>
+                <a:lnTo>
+                  <a:pt x="78957" y="78957"/>
+                </a:lnTo>
+                <a:lnTo>
+                  <a:pt x="129602" y="78957"/>
+                </a:lnTo>
+                <a:cubicBezTo>
+                  <a:pt x="134814" y="78957"/>
+                  <a:pt x="139039" y="74731"/>
+                  <a:pt x="139039" y="69520"/>
+                </a:cubicBezTo>
+                <a:cubicBezTo>
+                  <a:pt x="139039" y="64308"/>
+                  <a:pt x="134814" y="60082"/>
+                  <a:pt x="129602" y="60082"/>
+                </a:cubicBezTo>
+                <a:close/>
+              </a:path>
+            </a:pathLst>
+          </a:custGeom>
+          <a:solidFill>
+            <a:schemeClr val="accent2"/>
+          </a:solidFill>
+          <a:ln w="603" cap="flat">
+            <a:noFill/>
+            <a:prstDash val="solid"/>
+            <a:miter/>
+          </a:ln>
+        </p:spPr>
+        <p:txBody>
+          <a:bodyPr rtlCol="0" anchor="ctr"/>
+          <a:lstStyle/>
+          <a:p>
+            <a:endParaRPr lang="en-US"/>
+          </a:p>
+        </p:txBody>
+      </p:sp>
+      <p:sp>
+        <p:nvSpPr>
+          <p:cNvPr id="33" name="Graphic 10">
+            <a:extLst>
+              <a:ext uri="{FF2B5EF4-FFF2-40B4-BE49-F238E27FC236}">
+                <a16:creationId xmlns:a16="http://schemas.microsoft.com/office/drawing/2014/main" id="{E3020543-B24B-4EC4-8FFC-8DD88EEA91A8}"/>
+              </a:ext>
+              <a:ext uri="{C183D7F6-B498-43B3-948B-1728B52AA6E4}">
+                <adec:decorative xmlns:adec="http://schemas.microsoft.com/office/drawing/2017/decorative" val="1"/>
+              </a:ext>
+            </a:extLst>
+          </p:cNvPr>
+          <p:cNvSpPr>
+            <a:spLocks noGrp="1" noRot="1" noChangeAspect="1" noMove="1" noResize="1" noEditPoints="1" noAdjustHandles="1" noChangeArrowheads="1" noChangeShapeType="1" noTextEdit="1"/>
+          </p:cNvSpPr>
+          <p:nvPr>
+            <p:extLst>
+              <p:ext uri="{386F3935-93C4-4BCD-93E2-E3B085C9AB24}">
+                <p16:designElem xmlns:p16="http://schemas.microsoft.com/office/powerpoint/2015/main" val="1"/>
+              </p:ext>
+            </p:extLst>
+          </p:nvPr>
+        </p:nvSpPr>
+        <p:spPr>
+          <a:xfrm>
+            <a:off x="11236862" y="2189928"/>
+            <a:ext cx="91138" cy="91138"/>
+          </a:xfrm>
+          <a:custGeom>
+            <a:avLst/>
+            <a:gdLst>
+              <a:gd name="connsiteX0" fmla="*/ 91138 w 91138"/>
+              <a:gd name="connsiteY0" fmla="*/ 45569 h 91138"/>
+              <a:gd name="connsiteX1" fmla="*/ 45569 w 91138"/>
+              <a:gd name="connsiteY1" fmla="*/ 91138 h 91138"/>
+              <a:gd name="connsiteX2" fmla="*/ 0 w 91138"/>
+              <a:gd name="connsiteY2" fmla="*/ 45569 h 91138"/>
+              <a:gd name="connsiteX3" fmla="*/ 45569 w 91138"/>
+              <a:gd name="connsiteY3" fmla="*/ 0 h 91138"/>
+              <a:gd name="connsiteX4" fmla="*/ 91138 w 91138"/>
+              <a:gd name="connsiteY4" fmla="*/ 45569 h 91138"/>
+            </a:gdLst>
+            <a:ahLst/>
+            <a:cxnLst>
+              <a:cxn ang="0">
+                <a:pos x="connsiteX0" y="connsiteY0"/>
+              </a:cxn>
+              <a:cxn ang="0">
+                <a:pos x="connsiteX1" y="connsiteY1"/>
+              </a:cxn>
+              <a:cxn ang="0">
+                <a:pos x="connsiteX2" y="connsiteY2"/>
+              </a:cxn>
+              <a:cxn ang="0">
+                <a:pos x="connsiteX3" y="connsiteY3"/>
+              </a:cxn>
+              <a:cxn ang="0">
+                <a:pos x="connsiteX4" y="connsiteY4"/>
+              </a:cxn>
+            </a:cxnLst>
+            <a:rect l="l" t="t" r="r" b="b"/>
+            <a:pathLst>
+              <a:path w="91138" h="91138">
+                <a:moveTo>
+                  <a:pt x="91138" y="45569"/>
+                </a:moveTo>
+                <a:cubicBezTo>
+                  <a:pt x="91138" y="70736"/>
+                  <a:pt x="70736" y="91138"/>
+                  <a:pt x="45569" y="91138"/>
+                </a:cubicBezTo>
+                <a:cubicBezTo>
+                  <a:pt x="20402" y="91138"/>
+                  <a:pt x="0" y="70736"/>
+                  <a:pt x="0" y="45569"/>
+                </a:cubicBezTo>
+                <a:cubicBezTo>
+                  <a:pt x="0" y="20402"/>
+                  <a:pt x="20402" y="0"/>
+                  <a:pt x="45569" y="0"/>
+                </a:cubicBezTo>
+                <a:cubicBezTo>
+                  <a:pt x="70736" y="0"/>
+                  <a:pt x="91138" y="20402"/>
+                  <a:pt x="91138" y="45569"/>
+                </a:cubicBezTo>
+                <a:close/>
+              </a:path>
+            </a:pathLst>
+          </a:custGeom>
+          <a:solidFill>
+            <a:schemeClr val="accent2"/>
+          </a:solidFill>
+          <a:ln w="422" cap="flat">
+            <a:noFill/>
+            <a:prstDash val="solid"/>
+            <a:miter/>
+          </a:ln>
+        </p:spPr>
+        <p:txBody>
+          <a:bodyPr rtlCol="0" anchor="ctr"/>
+          <a:lstStyle/>
+          <a:p>
+            <a:endParaRPr lang="en-US"/>
           </a:p>
         </p:txBody>
       </p:sp>
       <p:pic>
         <p:nvPicPr>
-          <p:cNvPr id="4" name="Content Placeholder 3">
-            <a:extLst>
-              <a:ext uri="{FF2B5EF4-FFF2-40B4-BE49-F238E27FC236}">
-                <a16:creationId xmlns:a16="http://schemas.microsoft.com/office/drawing/2014/main" id="{455DC52A-0670-4AF6-AD71-A24419422408}"/>
+          <p:cNvPr id="7" name="Picture 6">
+            <a:extLst>
+              <a:ext uri="{FF2B5EF4-FFF2-40B4-BE49-F238E27FC236}">
+                <a16:creationId xmlns:a16="http://schemas.microsoft.com/office/drawing/2014/main" id="{527587DD-C68C-47A4-80A0-E98172698946}"/>
               </a:ext>
             </a:extLst>
           </p:cNvPr>
           <p:cNvPicPr>
-            <a:picLocks noGrp="1" noChangeAspect="1"/>
+            <a:picLocks noChangeAspect="1"/>
           </p:cNvPicPr>
-          <p:nvPr>
-            <p:ph sz="half" idx="1"/>
-          </p:nvPr>
+          <p:nvPr/>
         </p:nvPicPr>
         <p:blipFill>
           <a:blip r:embed="rId2"/>
@@ -6495,50 +8577,14 @@
         </p:blipFill>
         <p:spPr>
           <a:xfrm>
-            <a:off x="838200" y="2107691"/>
-            <a:ext cx="6162040" cy="4069272"/>
+            <a:off x="4516121" y="2054170"/>
+            <a:ext cx="6655189" cy="4394936"/>
           </a:xfrm>
           <a:prstGeom prst="rect">
             <a:avLst/>
           </a:prstGeom>
         </p:spPr>
       </p:pic>
-      <p:sp>
-        <p:nvSpPr>
-          <p:cNvPr id="5" name="Content Placeholder 4">
-            <a:extLst>
-              <a:ext uri="{FF2B5EF4-FFF2-40B4-BE49-F238E27FC236}">
-                <a16:creationId xmlns:a16="http://schemas.microsoft.com/office/drawing/2014/main" id="{88997452-7DEA-4693-AC30-9CB31D31C3CE}"/>
-              </a:ext>
-            </a:extLst>
-          </p:cNvPr>
-          <p:cNvSpPr>
-            <a:spLocks noGrp="1"/>
-          </p:cNvSpPr>
-          <p:nvPr>
-            <p:ph sz="half" idx="2"/>
-          </p:nvPr>
-        </p:nvSpPr>
-        <p:spPr>
-          <a:xfrm>
-            <a:off x="7153275" y="2593975"/>
-            <a:ext cx="4652645" cy="2279015"/>
-          </a:xfrm>
-        </p:spPr>
-        <p:txBody>
-          <a:bodyPr/>
-          <a:lstStyle/>
-          <a:p>
-            <a:r>
-              <a:rPr lang="en-US" dirty="0"/>
-              <a:t>The cost to bring to market drives the need to flare</a:t>
-            </a:r>
-          </a:p>
-          <a:p>
-            <a:endParaRPr lang="en-US" dirty="0"/>
-          </a:p>
-        </p:txBody>
-      </p:sp>
     </p:spTree>
     <p:extLst>
       <p:ext uri="{BB962C8B-B14F-4D97-AF65-F5344CB8AC3E}">

--- a/Wasted Energy.pptx
+++ b/Wasted Energy.pptx
@@ -132,258 +132,6 @@
     <p1510:client id="{08BC40E8-BDAE-4984-90AF-45E39CD2CDF4}" v="494" dt="2020-07-24T20:25:08.370"/>
   </p1510:revLst>
 </p1510:revInfo>
-</file>
-
-<file path=ppt/changesInfos/changesInfo1.xml><?xml version="1.0" encoding="utf-8"?>
-<pc:chgInfo xmlns:a="http://schemas.openxmlformats.org/drawingml/2006/main" xmlns:r="http://schemas.openxmlformats.org/officeDocument/2006/relationships" xmlns:ac="http://schemas.microsoft.com/office/drawing/2013/main/command" xmlns:pc="http://schemas.microsoft.com/office/powerpoint/2013/main/command">
-  <pc:docChgLst>
-    <pc:chgData name="Guest User" providerId="Windows Live" clId="Web-{08BC40E8-BDAE-4984-90AF-45E39CD2CDF4}"/>
-    <pc:docChg chg="modSld">
-      <pc:chgData name="Guest User" userId="" providerId="Windows Live" clId="Web-{08BC40E8-BDAE-4984-90AF-45E39CD2CDF4}" dt="2020-07-24T20:25:07.855" v="483" actId="20577"/>
-      <pc:docMkLst>
-        <pc:docMk/>
-      </pc:docMkLst>
-      <pc:sldChg chg="modSp">
-        <pc:chgData name="Guest User" userId="" providerId="Windows Live" clId="Web-{08BC40E8-BDAE-4984-90AF-45E39CD2CDF4}" dt="2020-07-24T20:07:40.622" v="26" actId="20577"/>
-        <pc:sldMkLst>
-          <pc:docMk/>
-          <pc:sldMk cId="3230697141" sldId="257"/>
-        </pc:sldMkLst>
-        <pc:spChg chg="mod">
-          <ac:chgData name="Guest User" userId="" providerId="Windows Live" clId="Web-{08BC40E8-BDAE-4984-90AF-45E39CD2CDF4}" dt="2020-07-24T20:05:38.228" v="7" actId="20577"/>
-          <ac:spMkLst>
-            <pc:docMk/>
-            <pc:sldMk cId="3230697141" sldId="257"/>
-            <ac:spMk id="4" creationId="{338FF7F7-8326-405E-932F-C460EFC49E42}"/>
-          </ac:spMkLst>
-        </pc:spChg>
-        <pc:spChg chg="mod">
-          <ac:chgData name="Guest User" userId="" providerId="Windows Live" clId="Web-{08BC40E8-BDAE-4984-90AF-45E39CD2CDF4}" dt="2020-07-24T20:07:40.622" v="26" actId="20577"/>
-          <ac:spMkLst>
-            <pc:docMk/>
-            <pc:sldMk cId="3230697141" sldId="257"/>
-            <ac:spMk id="5" creationId="{80598DDE-892E-409C-9634-A00FA8933EA4}"/>
-          </ac:spMkLst>
-        </pc:spChg>
-      </pc:sldChg>
-      <pc:sldChg chg="modSp">
-        <pc:chgData name="Guest User" userId="" providerId="Windows Live" clId="Web-{08BC40E8-BDAE-4984-90AF-45E39CD2CDF4}" dt="2020-07-24T20:13:47.820" v="171" actId="20577"/>
-        <pc:sldMkLst>
-          <pc:docMk/>
-          <pc:sldMk cId="882679217" sldId="258"/>
-        </pc:sldMkLst>
-        <pc:spChg chg="mod">
-          <ac:chgData name="Guest User" userId="" providerId="Windows Live" clId="Web-{08BC40E8-BDAE-4984-90AF-45E39CD2CDF4}" dt="2020-07-24T20:08:05.404" v="31" actId="20577"/>
-          <ac:spMkLst>
-            <pc:docMk/>
-            <pc:sldMk cId="882679217" sldId="258"/>
-            <ac:spMk id="2" creationId="{A726032E-D022-44BA-A2EE-E2122B5BF1D5}"/>
-          </ac:spMkLst>
-        </pc:spChg>
-        <pc:spChg chg="mod">
-          <ac:chgData name="Guest User" userId="" providerId="Windows Live" clId="Web-{08BC40E8-BDAE-4984-90AF-45E39CD2CDF4}" dt="2020-07-24T20:13:47.820" v="171" actId="20577"/>
-          <ac:spMkLst>
-            <pc:docMk/>
-            <pc:sldMk cId="882679217" sldId="258"/>
-            <ac:spMk id="3" creationId="{EBDE8576-DFDE-44C7-8285-AC8D055217A1}"/>
-          </ac:spMkLst>
-        </pc:spChg>
-      </pc:sldChg>
-      <pc:sldChg chg="modSp">
-        <pc:chgData name="Guest User" userId="" providerId="Windows Live" clId="Web-{08BC40E8-BDAE-4984-90AF-45E39CD2CDF4}" dt="2020-07-24T20:19:11.892" v="294" actId="20577"/>
-        <pc:sldMkLst>
-          <pc:docMk/>
-          <pc:sldMk cId="2387309776" sldId="259"/>
-        </pc:sldMkLst>
-        <pc:spChg chg="mod">
-          <ac:chgData name="Guest User" userId="" providerId="Windows Live" clId="Web-{08BC40E8-BDAE-4984-90AF-45E39CD2CDF4}" dt="2020-07-24T20:05:42.041" v="10" actId="20577"/>
-          <ac:spMkLst>
-            <pc:docMk/>
-            <pc:sldMk cId="2387309776" sldId="259"/>
-            <ac:spMk id="2" creationId="{CD6887AC-3F35-468C-BB15-399DB06E8695}"/>
-          </ac:spMkLst>
-        </pc:spChg>
-        <pc:spChg chg="mod">
-          <ac:chgData name="Guest User" userId="" providerId="Windows Live" clId="Web-{08BC40E8-BDAE-4984-90AF-45E39CD2CDF4}" dt="2020-07-24T20:19:11.892" v="294" actId="20577"/>
-          <ac:spMkLst>
-            <pc:docMk/>
-            <pc:sldMk cId="2387309776" sldId="259"/>
-            <ac:spMk id="12" creationId="{C5BEBBA5-00FC-4F58-BAAA-2359FF895EBC}"/>
-          </ac:spMkLst>
-        </pc:spChg>
-      </pc:sldChg>
-      <pc:sldChg chg="modSp">
-        <pc:chgData name="Guest User" userId="" providerId="Windows Live" clId="Web-{08BC40E8-BDAE-4984-90AF-45E39CD2CDF4}" dt="2020-07-24T20:18:04.046" v="276" actId="20577"/>
-        <pc:sldMkLst>
-          <pc:docMk/>
-          <pc:sldMk cId="697875476" sldId="260"/>
-        </pc:sldMkLst>
-        <pc:spChg chg="mod">
-          <ac:chgData name="Guest User" userId="" providerId="Windows Live" clId="Web-{08BC40E8-BDAE-4984-90AF-45E39CD2CDF4}" dt="2020-07-24T20:07:50.075" v="28" actId="20577"/>
-          <ac:spMkLst>
-            <pc:docMk/>
-            <pc:sldMk cId="697875476" sldId="260"/>
-            <ac:spMk id="2" creationId="{578130F0-875E-4B4D-8556-30F56E23BDE0}"/>
-          </ac:spMkLst>
-        </pc:spChg>
-        <pc:spChg chg="mod">
-          <ac:chgData name="Guest User" userId="" providerId="Windows Live" clId="Web-{08BC40E8-BDAE-4984-90AF-45E39CD2CDF4}" dt="2020-07-24T20:18:04.046" v="276" actId="20577"/>
-          <ac:spMkLst>
-            <pc:docMk/>
-            <pc:sldMk cId="697875476" sldId="260"/>
-            <ac:spMk id="3" creationId="{9DAD172E-6E5B-4951-9D27-9A646D33EDF5}"/>
-          </ac:spMkLst>
-        </pc:spChg>
-      </pc:sldChg>
-      <pc:sldChg chg="modSp">
-        <pc:chgData name="Guest User" userId="" providerId="Windows Live" clId="Web-{08BC40E8-BDAE-4984-90AF-45E39CD2CDF4}" dt="2020-07-24T20:19:24.298" v="301" actId="1076"/>
-        <pc:sldMkLst>
-          <pc:docMk/>
-          <pc:sldMk cId="3402899433" sldId="261"/>
-        </pc:sldMkLst>
-        <pc:spChg chg="mod">
-          <ac:chgData name="Guest User" userId="" providerId="Windows Live" clId="Web-{08BC40E8-BDAE-4984-90AF-45E39CD2CDF4}" dt="2020-07-24T20:19:17.376" v="296" actId="20577"/>
-          <ac:spMkLst>
-            <pc:docMk/>
-            <pc:sldMk cId="3402899433" sldId="261"/>
-            <ac:spMk id="2" creationId="{A51720D6-1BF7-4B75-A113-ABE3B335AF7C}"/>
-          </ac:spMkLst>
-        </pc:spChg>
-        <pc:picChg chg="mod">
-          <ac:chgData name="Guest User" userId="" providerId="Windows Live" clId="Web-{08BC40E8-BDAE-4984-90AF-45E39CD2CDF4}" dt="2020-07-24T20:19:21.517" v="299" actId="1076"/>
-          <ac:picMkLst>
-            <pc:docMk/>
-            <pc:sldMk cId="3402899433" sldId="261"/>
-            <ac:picMk id="4" creationId="{4E52BE18-537F-44F0-8D99-79CE28BEABEE}"/>
-          </ac:picMkLst>
-        </pc:picChg>
-        <pc:picChg chg="mod">
-          <ac:chgData name="Guest User" userId="" providerId="Windows Live" clId="Web-{08BC40E8-BDAE-4984-90AF-45E39CD2CDF4}" dt="2020-07-24T20:19:24.298" v="301" actId="1076"/>
-          <ac:picMkLst>
-            <pc:docMk/>
-            <pc:sldMk cId="3402899433" sldId="261"/>
-            <ac:picMk id="6" creationId="{97680D9B-E823-4303-AD50-C5F7F5E4A810}"/>
-          </ac:picMkLst>
-        </pc:picChg>
-        <pc:picChg chg="mod">
-          <ac:chgData name="Guest User" userId="" providerId="Windows Live" clId="Web-{08BC40E8-BDAE-4984-90AF-45E39CD2CDF4}" dt="2020-07-24T20:19:22.939" v="300" actId="1076"/>
-          <ac:picMkLst>
-            <pc:docMk/>
-            <pc:sldMk cId="3402899433" sldId="261"/>
-            <ac:picMk id="9" creationId="{645B80CB-17E0-4382-9F77-F020D21D7C1F}"/>
-          </ac:picMkLst>
-        </pc:picChg>
-      </pc:sldChg>
-      <pc:sldChg chg="modSp">
-        <pc:chgData name="Guest User" userId="" providerId="Windows Live" clId="Web-{08BC40E8-BDAE-4984-90AF-45E39CD2CDF4}" dt="2020-07-24T20:19:33.955" v="302" actId="20577"/>
-        <pc:sldMkLst>
-          <pc:docMk/>
-          <pc:sldMk cId="3055307854" sldId="262"/>
-        </pc:sldMkLst>
-        <pc:spChg chg="mod">
-          <ac:chgData name="Guest User" userId="" providerId="Windows Live" clId="Web-{08BC40E8-BDAE-4984-90AF-45E39CD2CDF4}" dt="2020-07-24T20:19:33.955" v="302" actId="20577"/>
-          <ac:spMkLst>
-            <pc:docMk/>
-            <pc:sldMk cId="3055307854" sldId="262"/>
-            <ac:spMk id="2" creationId="{004D9898-0F59-437C-9A1E-DCECB52ADE44}"/>
-          </ac:spMkLst>
-        </pc:spChg>
-      </pc:sldChg>
-      <pc:sldChg chg="modSp">
-        <pc:chgData name="Guest User" userId="" providerId="Windows Live" clId="Web-{08BC40E8-BDAE-4984-90AF-45E39CD2CDF4}" dt="2020-07-24T20:21:29.255" v="354" actId="20577"/>
-        <pc:sldMkLst>
-          <pc:docMk/>
-          <pc:sldMk cId="3967257698" sldId="263"/>
-        </pc:sldMkLst>
-        <pc:spChg chg="mod">
-          <ac:chgData name="Guest User" userId="" providerId="Windows Live" clId="Web-{08BC40E8-BDAE-4984-90AF-45E39CD2CDF4}" dt="2020-07-24T20:20:12.143" v="318" actId="1076"/>
-          <ac:spMkLst>
-            <pc:docMk/>
-            <pc:sldMk cId="3967257698" sldId="263"/>
-            <ac:spMk id="2" creationId="{391148B9-AE8A-42CA-A1D8-622327C322C3}"/>
-          </ac:spMkLst>
-        </pc:spChg>
-        <pc:spChg chg="mod">
-          <ac:chgData name="Guest User" userId="" providerId="Windows Live" clId="Web-{08BC40E8-BDAE-4984-90AF-45E39CD2CDF4}" dt="2020-07-24T20:21:29.255" v="354" actId="20577"/>
-          <ac:spMkLst>
-            <pc:docMk/>
-            <pc:sldMk cId="3967257698" sldId="263"/>
-            <ac:spMk id="3" creationId="{FE616F08-3A10-4CBE-B840-6BD601B4B285}"/>
-          </ac:spMkLst>
-        </pc:spChg>
-      </pc:sldChg>
-      <pc:sldChg chg="modSp">
-        <pc:chgData name="Guest User" userId="" providerId="Windows Live" clId="Web-{08BC40E8-BDAE-4984-90AF-45E39CD2CDF4}" dt="2020-07-24T20:21:47.911" v="357" actId="20577"/>
-        <pc:sldMkLst>
-          <pc:docMk/>
-          <pc:sldMk cId="854629335" sldId="264"/>
-        </pc:sldMkLst>
-        <pc:spChg chg="mod">
-          <ac:chgData name="Guest User" userId="" providerId="Windows Live" clId="Web-{08BC40E8-BDAE-4984-90AF-45E39CD2CDF4}" dt="2020-07-24T20:21:47.911" v="357" actId="20577"/>
-          <ac:spMkLst>
-            <pc:docMk/>
-            <pc:sldMk cId="854629335" sldId="264"/>
-            <ac:spMk id="2" creationId="{E74A73E5-3003-45FD-A6E0-3BD2C6802EC1}"/>
-          </ac:spMkLst>
-        </pc:spChg>
-        <pc:spChg chg="mod">
-          <ac:chgData name="Guest User" userId="" providerId="Windows Live" clId="Web-{08BC40E8-BDAE-4984-90AF-45E39CD2CDF4}" dt="2020-07-24T20:21:04.145" v="345" actId="1076"/>
-          <ac:spMkLst>
-            <pc:docMk/>
-            <pc:sldMk cId="854629335" sldId="264"/>
-            <ac:spMk id="5" creationId="{88997452-7DEA-4693-AC30-9CB31D31C3CE}"/>
-          </ac:spMkLst>
-        </pc:spChg>
-      </pc:sldChg>
-      <pc:sldChg chg="modSp">
-        <pc:chgData name="Guest User" userId="" providerId="Windows Live" clId="Web-{08BC40E8-BDAE-4984-90AF-45E39CD2CDF4}" dt="2020-07-24T20:22:14.819" v="368" actId="20577"/>
-        <pc:sldMkLst>
-          <pc:docMk/>
-          <pc:sldMk cId="939133259" sldId="265"/>
-        </pc:sldMkLst>
-        <pc:spChg chg="mod">
-          <ac:chgData name="Guest User" userId="" providerId="Windows Live" clId="Web-{08BC40E8-BDAE-4984-90AF-45E39CD2CDF4}" dt="2020-07-24T20:21:56.193" v="362" actId="20577"/>
-          <ac:spMkLst>
-            <pc:docMk/>
-            <pc:sldMk cId="939133259" sldId="265"/>
-            <ac:spMk id="2" creationId="{4C72819A-636E-4EF7-B7D1-E4D9DCE99F21}"/>
-          </ac:spMkLst>
-        </pc:spChg>
-        <pc:spChg chg="mod">
-          <ac:chgData name="Guest User" userId="" providerId="Windows Live" clId="Web-{08BC40E8-BDAE-4984-90AF-45E39CD2CDF4}" dt="2020-07-24T20:22:14.819" v="368" actId="20577"/>
-          <ac:spMkLst>
-            <pc:docMk/>
-            <pc:sldMk cId="939133259" sldId="265"/>
-            <ac:spMk id="4" creationId="{24209FB9-9767-4273-9E5D-08660D4096F4}"/>
-          </ac:spMkLst>
-        </pc:spChg>
-      </pc:sldChg>
-      <pc:sldChg chg="modSp">
-        <pc:chgData name="Guest User" userId="" providerId="Windows Live" clId="Web-{08BC40E8-BDAE-4984-90AF-45E39CD2CDF4}" dt="2020-07-24T20:25:07.855" v="482" actId="20577"/>
-        <pc:sldMkLst>
-          <pc:docMk/>
-          <pc:sldMk cId="944582653" sldId="266"/>
-        </pc:sldMkLst>
-        <pc:spChg chg="mod">
-          <ac:chgData name="Guest User" userId="" providerId="Windows Live" clId="Web-{08BC40E8-BDAE-4984-90AF-45E39CD2CDF4}" dt="2020-07-24T20:22:22.694" v="372" actId="20577"/>
-          <ac:spMkLst>
-            <pc:docMk/>
-            <pc:sldMk cId="944582653" sldId="266"/>
-            <ac:spMk id="2" creationId="{BEDE5F7B-F291-4273-8FC1-848B4C609BE8}"/>
-          </ac:spMkLst>
-        </pc:spChg>
-        <pc:spChg chg="mod">
-          <ac:chgData name="Guest User" userId="" providerId="Windows Live" clId="Web-{08BC40E8-BDAE-4984-90AF-45E39CD2CDF4}" dt="2020-07-24T20:25:07.855" v="482" actId="20577"/>
-          <ac:spMkLst>
-            <pc:docMk/>
-            <pc:sldMk cId="944582653" sldId="266"/>
-            <ac:spMk id="3" creationId="{CB4B6C7F-6CA3-46BF-9B5F-E0A33D58E0B1}"/>
-          </ac:spMkLst>
-        </pc:spChg>
-      </pc:sldChg>
-    </pc:docChg>
-  </pc:docChgLst>
-</pc:chgInfo>
 </file>
 
 <file path=ppt/notesMasters/notesMaster1.xml><?xml version="1.0" encoding="utf-8"?>
@@ -6426,7 +6174,7 @@
           <a:p>
             <a:pPr fontAlgn="ctr"/>
             <a:r>
-              <a:rPr lang="en-US" sz="2400">
+              <a:rPr lang="en-US" sz="2400" dirty="0">
                 <a:ea typeface="+mn-lt"/>
                 <a:cs typeface="+mn-lt"/>
                 <a:hlinkClick r:id="rId3"/>
@@ -6434,7 +6182,7 @@
               <a:t>By State</a:t>
             </a:r>
             <a:r>
-              <a:rPr lang="en-US" sz="2400">
+              <a:rPr lang="en-US" sz="2400" dirty="0">
                 <a:hlinkClick r:id="rId3"/>
               </a:rPr>
               <a:t> Flared</a:t>
@@ -6448,7 +6196,7 @@
           <a:p>
             <a:pPr fontAlgn="ctr"/>
             <a:r>
-              <a:rPr lang="en-US" sz="2400">
+              <a:rPr lang="en-US" sz="2400" dirty="0">
                 <a:ea typeface="+mn-lt"/>
                 <a:cs typeface="+mn-lt"/>
                 <a:hlinkClick r:id="rId4"/>
@@ -6456,16 +6204,15 @@
               <a:t>By State</a:t>
             </a:r>
             <a:r>
-              <a:rPr lang="en-US" sz="2400">
+              <a:rPr lang="en-US" sz="2400" dirty="0">
                 <a:hlinkClick r:id="rId4"/>
               </a:rPr>
               <a:t> Crude Oil produced</a:t>
             </a:r>
             <a:r>
-              <a:rPr lang="en-US" sz="2400"/>
+              <a:rPr lang="en-US" sz="2400" dirty="0"/>
               <a:t> </a:t>
             </a:r>
-            <a:endParaRPr lang="en-US" sz="2400" dirty="0"/>
           </a:p>
           <a:p>
             <a:pPr fontAlgn="ctr"/>
@@ -6474,13 +6221,13 @@
           <a:p>
             <a:pPr fontAlgn="ctr"/>
             <a:r>
-              <a:rPr lang="en-US" sz="2400">
+              <a:rPr lang="en-US" sz="2400" dirty="0">
                 <a:hlinkClick r:id="rId5"/>
               </a:rPr>
               <a:t>By State Natural Gas production</a:t>
             </a:r>
             <a:r>
-              <a:rPr lang="en-US" sz="2400"/>
+              <a:rPr lang="en-US" sz="2400" dirty="0"/>
               <a:t> </a:t>
             </a:r>
           </a:p>
@@ -6493,6 +6240,133 @@
           </a:p>
         </p:txBody>
       </p:sp>
+      <p:pic>
+        <p:nvPicPr>
+          <p:cNvPr id="3" name="Picture 2">
+            <a:extLst>
+              <a:ext uri="{FF2B5EF4-FFF2-40B4-BE49-F238E27FC236}">
+                <a16:creationId xmlns:a16="http://schemas.microsoft.com/office/drawing/2014/main" id="{8D2BE2FE-BF52-4F34-A969-A57062A8E695}"/>
+              </a:ext>
+            </a:extLst>
+          </p:cNvPr>
+          <p:cNvPicPr>
+            <a:picLocks noChangeAspect="1"/>
+          </p:cNvPicPr>
+          <p:nvPr/>
+        </p:nvPicPr>
+        <p:blipFill>
+          <a:blip r:embed="rId6"/>
+          <a:stretch>
+            <a:fillRect/>
+          </a:stretch>
+        </p:blipFill>
+        <p:spPr>
+          <a:xfrm>
+            <a:off x="4631531" y="4081787"/>
+            <a:ext cx="5957888" cy="2095176"/>
+          </a:xfrm>
+          <a:prstGeom prst="rect">
+            <a:avLst/>
+          </a:prstGeom>
+        </p:spPr>
+      </p:pic>
+      <p:sp>
+        <p:nvSpPr>
+          <p:cNvPr id="4" name="Rectangle 3">
+            <a:extLst>
+              <a:ext uri="{FF2B5EF4-FFF2-40B4-BE49-F238E27FC236}">
+                <a16:creationId xmlns:a16="http://schemas.microsoft.com/office/drawing/2014/main" id="{D0C722A0-E233-4C2F-8F84-8EAF5A76B162}"/>
+              </a:ext>
+            </a:extLst>
+          </p:cNvPr>
+          <p:cNvSpPr/>
+          <p:nvPr/>
+        </p:nvSpPr>
+        <p:spPr>
+          <a:xfrm>
+            <a:off x="10871199" y="2691765"/>
+            <a:ext cx="482599" cy="254000"/>
+          </a:xfrm>
+          <a:prstGeom prst="rect">
+            <a:avLst/>
+          </a:prstGeom>
+          <a:noFill/>
+          <a:ln w="19050">
+            <a:solidFill>
+              <a:srgbClr val="FF0000"/>
+            </a:solidFill>
+          </a:ln>
+        </p:spPr>
+        <p:style>
+          <a:lnRef idx="2">
+            <a:schemeClr val="accent1">
+              <a:shade val="50000"/>
+            </a:schemeClr>
+          </a:lnRef>
+          <a:fillRef idx="1">
+            <a:schemeClr val="accent1"/>
+          </a:fillRef>
+          <a:effectRef idx="0">
+            <a:schemeClr val="accent1"/>
+          </a:effectRef>
+          <a:fontRef idx="minor">
+            <a:schemeClr val="lt1"/>
+          </a:fontRef>
+        </p:style>
+        <p:txBody>
+          <a:bodyPr rtlCol="0" anchor="ctr"/>
+          <a:lstStyle/>
+          <a:p>
+            <a:pPr algn="ctr"/>
+            <a:endParaRPr lang="en-US"/>
+          </a:p>
+        </p:txBody>
+      </p:sp>
+      <p:cxnSp>
+        <p:nvCxnSpPr>
+          <p:cNvPr id="8" name="Straight Arrow Connector 7">
+            <a:extLst>
+              <a:ext uri="{FF2B5EF4-FFF2-40B4-BE49-F238E27FC236}">
+                <a16:creationId xmlns:a16="http://schemas.microsoft.com/office/drawing/2014/main" id="{8A554B77-089A-4349-BD33-AB16165F2674}"/>
+              </a:ext>
+            </a:extLst>
+          </p:cNvPr>
+          <p:cNvCxnSpPr>
+            <a:stCxn id="4" idx="2"/>
+            <a:endCxn id="3" idx="0"/>
+          </p:cNvCxnSpPr>
+          <p:nvPr/>
+        </p:nvCxnSpPr>
+        <p:spPr>
+          <a:xfrm flipH="1">
+            <a:off x="7610475" y="2945765"/>
+            <a:ext cx="3502024" cy="1136022"/>
+          </a:xfrm>
+          <a:prstGeom prst="straightConnector1">
+            <a:avLst/>
+          </a:prstGeom>
+          <a:ln w="9525">
+            <a:solidFill>
+              <a:srgbClr val="FF0000"/>
+            </a:solidFill>
+            <a:tailEnd type="triangle"/>
+          </a:ln>
+        </p:spPr>
+        <p:style>
+          <a:lnRef idx="1">
+            <a:schemeClr val="accent1"/>
+          </a:lnRef>
+          <a:fillRef idx="0">
+            <a:schemeClr val="accent1"/>
+          </a:fillRef>
+          <a:effectRef idx="0">
+            <a:schemeClr val="accent1"/>
+          </a:effectRef>
+          <a:fontRef idx="minor">
+            <a:schemeClr val="tx1"/>
+          </a:fontRef>
+        </p:style>
+      </p:cxnSp>
     </p:spTree>
     <p:extLst>
       <p:ext uri="{BB962C8B-B14F-4D97-AF65-F5344CB8AC3E}">
@@ -7027,8 +6901,8 @@
           </a:p>
         </p:txBody>
       </p:sp>
-      <mc:AlternateContent xmlns:mc="http://schemas.openxmlformats.org/markup-compatibility/2006">
-        <mc:Choice xmlns:a14="http://schemas.microsoft.com/office/drawing/2010/main" Requires="a14">
+      <mc:AlternateContent xmlns:mc="http://schemas.openxmlformats.org/markup-compatibility/2006" xmlns:a14="http://schemas.microsoft.com/office/drawing/2010/main">
+        <mc:Choice Requires="a14">
           <p:sp>
             <p:nvSpPr>
               <p:cNvPr id="8" name="Content Placeholder 7">
@@ -7190,7 +7064,7 @@
             </p:txBody>
           </p:sp>
         </mc:Choice>
-        <mc:Fallback>
+        <mc:Fallback xmlns="">
           <p:sp>
             <p:nvSpPr>
               <p:cNvPr id="8" name="Content Placeholder 7">
